--- a/Presentation1.pptx
+++ b/Presentation1.pptx
@@ -6,6 +6,18 @@
   </p:sldMasterIdLst>
   <p:sldIdLst>
     <p:sldId id="256" r:id="rId2"/>
+    <p:sldId id="257" r:id="rId3"/>
+    <p:sldId id="259" r:id="rId4"/>
+    <p:sldId id="258" r:id="rId5"/>
+    <p:sldId id="261" r:id="rId6"/>
+    <p:sldId id="262" r:id="rId7"/>
+    <p:sldId id="260" r:id="rId8"/>
+    <p:sldId id="268" r:id="rId9"/>
+    <p:sldId id="263" r:id="rId10"/>
+    <p:sldId id="264" r:id="rId11"/>
+    <p:sldId id="265" r:id="rId12"/>
+    <p:sldId id="266" r:id="rId13"/>
+    <p:sldId id="267" r:id="rId14"/>
   </p:sldIdLst>
   <p:sldSz cx="12192000" cy="6858000"/>
   <p:notesSz cx="6858000" cy="9144000"/>
@@ -129,7 +141,7 @@
           <p:cNvPr id="2" name="Title 1">
             <a:extLst>
               <a:ext uri="{FF2B5EF4-FFF2-40B4-BE49-F238E27FC236}">
-                <a16:creationId xmlns:a16="http://schemas.microsoft.com/office/drawing/2014/main" id="{1C94C153-8795-E0D5-521E-3D0363EC478E}"/>
+                <a16:creationId xmlns:a16="http://schemas.microsoft.com/office/drawing/2014/main" id="{9B62D4F6-2FEA-34F1-F159-5CECC5D08C0A}"/>
               </a:ext>
             </a:extLst>
           </p:cNvPr>
@@ -167,7 +179,7 @@
           <p:cNvPr id="3" name="Subtitle 2">
             <a:extLst>
               <a:ext uri="{FF2B5EF4-FFF2-40B4-BE49-F238E27FC236}">
-                <a16:creationId xmlns:a16="http://schemas.microsoft.com/office/drawing/2014/main" id="{14CD4C62-9597-0FCE-17D1-50098C91335A}"/>
+                <a16:creationId xmlns:a16="http://schemas.microsoft.com/office/drawing/2014/main" id="{513A8AC3-42B1-7142-B85F-08B0B9549828}"/>
               </a:ext>
             </a:extLst>
           </p:cNvPr>
@@ -238,7 +250,7 @@
           <p:cNvPr id="4" name="Date Placeholder 3">
             <a:extLst>
               <a:ext uri="{FF2B5EF4-FFF2-40B4-BE49-F238E27FC236}">
-                <a16:creationId xmlns:a16="http://schemas.microsoft.com/office/drawing/2014/main" id="{861636C2-645D-CA6A-90D5-980C1114F19E}"/>
+                <a16:creationId xmlns:a16="http://schemas.microsoft.com/office/drawing/2014/main" id="{3542A631-66A2-7C33-3BF5-1A644B403C90}"/>
               </a:ext>
             </a:extLst>
           </p:cNvPr>
@@ -254,9 +266,9 @@
           <a:bodyPr/>
           <a:lstStyle/>
           <a:p>
-            <a:fld id="{D2D72B30-8360-FC43-ACB0-1F203B48510B}" type="datetimeFigureOut">
+            <a:fld id="{CC7681B7-838B-4240-975C-8C3D0ED0A68A}" type="datetimeFigureOut">
               <a:rPr lang="en-US" smtClean="0"/>
-              <a:t>12/1/24</a:t>
+              <a:t>12/19/24</a:t>
             </a:fld>
             <a:endParaRPr lang="en-US"/>
           </a:p>
@@ -267,7 +279,7 @@
           <p:cNvPr id="5" name="Footer Placeholder 4">
             <a:extLst>
               <a:ext uri="{FF2B5EF4-FFF2-40B4-BE49-F238E27FC236}">
-                <a16:creationId xmlns:a16="http://schemas.microsoft.com/office/drawing/2014/main" id="{37932245-09EC-9FA3-4D0C-6E99B23CDEE5}"/>
+                <a16:creationId xmlns:a16="http://schemas.microsoft.com/office/drawing/2014/main" id="{40C85E82-7267-9A47-A12C-9EA08707BBFF}"/>
               </a:ext>
             </a:extLst>
           </p:cNvPr>
@@ -292,7 +304,7 @@
           <p:cNvPr id="6" name="Slide Number Placeholder 5">
             <a:extLst>
               <a:ext uri="{FF2B5EF4-FFF2-40B4-BE49-F238E27FC236}">
-                <a16:creationId xmlns:a16="http://schemas.microsoft.com/office/drawing/2014/main" id="{26FD61AC-F73E-695A-13EB-C5A8CFFDF99D}"/>
+                <a16:creationId xmlns:a16="http://schemas.microsoft.com/office/drawing/2014/main" id="{9C13FD77-1587-6AF0-C4DE-38E31FCA3A38}"/>
               </a:ext>
             </a:extLst>
           </p:cNvPr>
@@ -308,7 +320,7 @@
           <a:bodyPr/>
           <a:lstStyle/>
           <a:p>
-            <a:fld id="{64A4AEB5-775F-4141-8266-0545CA7D5462}" type="slidenum">
+            <a:fld id="{2DBF9DE4-BFB4-6F49-B670-06B51EFCF367}" type="slidenum">
               <a:rPr lang="en-US" smtClean="0"/>
               <a:t>‹#›</a:t>
             </a:fld>
@@ -319,7 +331,7 @@
     </p:spTree>
     <p:extLst>
       <p:ext uri="{BB962C8B-B14F-4D97-AF65-F5344CB8AC3E}">
-        <p14:creationId xmlns:p14="http://schemas.microsoft.com/office/powerpoint/2010/main" val="3542575322"/>
+        <p14:creationId xmlns:p14="http://schemas.microsoft.com/office/powerpoint/2010/main" val="3537770838"/>
       </p:ext>
     </p:extLst>
   </p:cSld>
@@ -351,7 +363,7 @@
           <p:cNvPr id="2" name="Title 1">
             <a:extLst>
               <a:ext uri="{FF2B5EF4-FFF2-40B4-BE49-F238E27FC236}">
-                <a16:creationId xmlns:a16="http://schemas.microsoft.com/office/drawing/2014/main" id="{7DCE0497-9F88-17A8-7E2D-0C400F8E1B32}"/>
+                <a16:creationId xmlns:a16="http://schemas.microsoft.com/office/drawing/2014/main" id="{B315E03D-0C34-5E40-648F-44EE71C6E17E}"/>
               </a:ext>
             </a:extLst>
           </p:cNvPr>
@@ -380,7 +392,7 @@
           <p:cNvPr id="3" name="Vertical Text Placeholder 2">
             <a:extLst>
               <a:ext uri="{FF2B5EF4-FFF2-40B4-BE49-F238E27FC236}">
-                <a16:creationId xmlns:a16="http://schemas.microsoft.com/office/drawing/2014/main" id="{51FBD197-9A1C-CBE0-E290-A016B8745984}"/>
+                <a16:creationId xmlns:a16="http://schemas.microsoft.com/office/drawing/2014/main" id="{260A4DF4-7157-2DFC-F6F7-330F402000B9}"/>
               </a:ext>
             </a:extLst>
           </p:cNvPr>
@@ -438,7 +450,7 @@
           <p:cNvPr id="4" name="Date Placeholder 3">
             <a:extLst>
               <a:ext uri="{FF2B5EF4-FFF2-40B4-BE49-F238E27FC236}">
-                <a16:creationId xmlns:a16="http://schemas.microsoft.com/office/drawing/2014/main" id="{C138FB07-75FD-4695-A91B-FABAD755E835}"/>
+                <a16:creationId xmlns:a16="http://schemas.microsoft.com/office/drawing/2014/main" id="{B5FD9C49-2093-FA6F-5652-E5F55BBFB688}"/>
               </a:ext>
             </a:extLst>
           </p:cNvPr>
@@ -454,9 +466,9 @@
           <a:bodyPr/>
           <a:lstStyle/>
           <a:p>
-            <a:fld id="{D2D72B30-8360-FC43-ACB0-1F203B48510B}" type="datetimeFigureOut">
+            <a:fld id="{CC7681B7-838B-4240-975C-8C3D0ED0A68A}" type="datetimeFigureOut">
               <a:rPr lang="en-US" smtClean="0"/>
-              <a:t>12/1/24</a:t>
+              <a:t>12/19/24</a:t>
             </a:fld>
             <a:endParaRPr lang="en-US"/>
           </a:p>
@@ -467,7 +479,7 @@
           <p:cNvPr id="5" name="Footer Placeholder 4">
             <a:extLst>
               <a:ext uri="{FF2B5EF4-FFF2-40B4-BE49-F238E27FC236}">
-                <a16:creationId xmlns:a16="http://schemas.microsoft.com/office/drawing/2014/main" id="{C839A6BA-E923-A919-ACD9-DB60972EED3C}"/>
+                <a16:creationId xmlns:a16="http://schemas.microsoft.com/office/drawing/2014/main" id="{3FD58AE6-6CA3-1772-543D-B993D7EC5F9E}"/>
               </a:ext>
             </a:extLst>
           </p:cNvPr>
@@ -492,7 +504,7 @@
           <p:cNvPr id="6" name="Slide Number Placeholder 5">
             <a:extLst>
               <a:ext uri="{FF2B5EF4-FFF2-40B4-BE49-F238E27FC236}">
-                <a16:creationId xmlns:a16="http://schemas.microsoft.com/office/drawing/2014/main" id="{689CF3FD-E979-06AE-496D-59AFA11A5566}"/>
+                <a16:creationId xmlns:a16="http://schemas.microsoft.com/office/drawing/2014/main" id="{3A85C5E0-D6A1-9B5D-31B4-173C297611CB}"/>
               </a:ext>
             </a:extLst>
           </p:cNvPr>
@@ -508,7 +520,7 @@
           <a:bodyPr/>
           <a:lstStyle/>
           <a:p>
-            <a:fld id="{64A4AEB5-775F-4141-8266-0545CA7D5462}" type="slidenum">
+            <a:fld id="{2DBF9DE4-BFB4-6F49-B670-06B51EFCF367}" type="slidenum">
               <a:rPr lang="en-US" smtClean="0"/>
               <a:t>‹#›</a:t>
             </a:fld>
@@ -519,7 +531,7 @@
     </p:spTree>
     <p:extLst>
       <p:ext uri="{BB962C8B-B14F-4D97-AF65-F5344CB8AC3E}">
-        <p14:creationId xmlns:p14="http://schemas.microsoft.com/office/powerpoint/2010/main" val="37820904"/>
+        <p14:creationId xmlns:p14="http://schemas.microsoft.com/office/powerpoint/2010/main" val="4074393424"/>
       </p:ext>
     </p:extLst>
   </p:cSld>
@@ -551,7 +563,7 @@
           <p:cNvPr id="2" name="Vertical Title 1">
             <a:extLst>
               <a:ext uri="{FF2B5EF4-FFF2-40B4-BE49-F238E27FC236}">
-                <a16:creationId xmlns:a16="http://schemas.microsoft.com/office/drawing/2014/main" id="{2D913E8A-1991-F9A9-C59A-6C4E16882DB3}"/>
+                <a16:creationId xmlns:a16="http://schemas.microsoft.com/office/drawing/2014/main" id="{998B2E55-4E92-3573-4819-7C0E10EABB4E}"/>
               </a:ext>
             </a:extLst>
           </p:cNvPr>
@@ -585,7 +597,7 @@
           <p:cNvPr id="3" name="Vertical Text Placeholder 2">
             <a:extLst>
               <a:ext uri="{FF2B5EF4-FFF2-40B4-BE49-F238E27FC236}">
-                <a16:creationId xmlns:a16="http://schemas.microsoft.com/office/drawing/2014/main" id="{82B7ED0A-1856-ABB2-6414-CC1D7DCD742E}"/>
+                <a16:creationId xmlns:a16="http://schemas.microsoft.com/office/drawing/2014/main" id="{AB07FB51-C809-1EBF-C298-F9EBFF4199B5}"/>
               </a:ext>
             </a:extLst>
           </p:cNvPr>
@@ -648,7 +660,7 @@
           <p:cNvPr id="4" name="Date Placeholder 3">
             <a:extLst>
               <a:ext uri="{FF2B5EF4-FFF2-40B4-BE49-F238E27FC236}">
-                <a16:creationId xmlns:a16="http://schemas.microsoft.com/office/drawing/2014/main" id="{7903A5FF-F8F0-A375-AA3B-21FD38FEC89D}"/>
+                <a16:creationId xmlns:a16="http://schemas.microsoft.com/office/drawing/2014/main" id="{07183683-19B0-99E2-B9CE-69EBD570895F}"/>
               </a:ext>
             </a:extLst>
           </p:cNvPr>
@@ -664,9 +676,9 @@
           <a:bodyPr/>
           <a:lstStyle/>
           <a:p>
-            <a:fld id="{D2D72B30-8360-FC43-ACB0-1F203B48510B}" type="datetimeFigureOut">
+            <a:fld id="{CC7681B7-838B-4240-975C-8C3D0ED0A68A}" type="datetimeFigureOut">
               <a:rPr lang="en-US" smtClean="0"/>
-              <a:t>12/1/24</a:t>
+              <a:t>12/19/24</a:t>
             </a:fld>
             <a:endParaRPr lang="en-US"/>
           </a:p>
@@ -677,7 +689,7 @@
           <p:cNvPr id="5" name="Footer Placeholder 4">
             <a:extLst>
               <a:ext uri="{FF2B5EF4-FFF2-40B4-BE49-F238E27FC236}">
-                <a16:creationId xmlns:a16="http://schemas.microsoft.com/office/drawing/2014/main" id="{CCE92B1D-8441-8712-636F-B9BBD6D74ABF}"/>
+                <a16:creationId xmlns:a16="http://schemas.microsoft.com/office/drawing/2014/main" id="{BEABAEBE-C093-F72B-50BE-FF18FB113DEA}"/>
               </a:ext>
             </a:extLst>
           </p:cNvPr>
@@ -702,7 +714,7 @@
           <p:cNvPr id="6" name="Slide Number Placeholder 5">
             <a:extLst>
               <a:ext uri="{FF2B5EF4-FFF2-40B4-BE49-F238E27FC236}">
-                <a16:creationId xmlns:a16="http://schemas.microsoft.com/office/drawing/2014/main" id="{4DDB4A19-A413-03F0-CAEC-0DBF50A6CE8E}"/>
+                <a16:creationId xmlns:a16="http://schemas.microsoft.com/office/drawing/2014/main" id="{7B50C7DC-B198-621C-255B-81ABC743F412}"/>
               </a:ext>
             </a:extLst>
           </p:cNvPr>
@@ -718,7 +730,7 @@
           <a:bodyPr/>
           <a:lstStyle/>
           <a:p>
-            <a:fld id="{64A4AEB5-775F-4141-8266-0545CA7D5462}" type="slidenum">
+            <a:fld id="{2DBF9DE4-BFB4-6F49-B670-06B51EFCF367}" type="slidenum">
               <a:rPr lang="en-US" smtClean="0"/>
               <a:t>‹#›</a:t>
             </a:fld>
@@ -729,7 +741,7 @@
     </p:spTree>
     <p:extLst>
       <p:ext uri="{BB962C8B-B14F-4D97-AF65-F5344CB8AC3E}">
-        <p14:creationId xmlns:p14="http://schemas.microsoft.com/office/powerpoint/2010/main" val="3651375714"/>
+        <p14:creationId xmlns:p14="http://schemas.microsoft.com/office/powerpoint/2010/main" val="2130414056"/>
       </p:ext>
     </p:extLst>
   </p:cSld>
@@ -761,7 +773,7 @@
           <p:cNvPr id="2" name="Title 1">
             <a:extLst>
               <a:ext uri="{FF2B5EF4-FFF2-40B4-BE49-F238E27FC236}">
-                <a16:creationId xmlns:a16="http://schemas.microsoft.com/office/drawing/2014/main" id="{228233C4-CEBB-34AA-2172-6E51A928998D}"/>
+                <a16:creationId xmlns:a16="http://schemas.microsoft.com/office/drawing/2014/main" id="{27781566-BA1B-455C-69B6-924BF4591835}"/>
               </a:ext>
             </a:extLst>
           </p:cNvPr>
@@ -790,7 +802,7 @@
           <p:cNvPr id="3" name="Content Placeholder 2">
             <a:extLst>
               <a:ext uri="{FF2B5EF4-FFF2-40B4-BE49-F238E27FC236}">
-                <a16:creationId xmlns:a16="http://schemas.microsoft.com/office/drawing/2014/main" id="{744AF3C4-5C1F-DE1E-6AA7-FC869F7FA28E}"/>
+                <a16:creationId xmlns:a16="http://schemas.microsoft.com/office/drawing/2014/main" id="{19C92A89-2773-7BC4-F2C2-6F5596137028}"/>
               </a:ext>
             </a:extLst>
           </p:cNvPr>
@@ -848,7 +860,7 @@
           <p:cNvPr id="4" name="Date Placeholder 3">
             <a:extLst>
               <a:ext uri="{FF2B5EF4-FFF2-40B4-BE49-F238E27FC236}">
-                <a16:creationId xmlns:a16="http://schemas.microsoft.com/office/drawing/2014/main" id="{803E28CC-D358-1A2B-A808-F73E862F2005}"/>
+                <a16:creationId xmlns:a16="http://schemas.microsoft.com/office/drawing/2014/main" id="{D7D3E8A9-716D-94BB-4758-25A9943B55DA}"/>
               </a:ext>
             </a:extLst>
           </p:cNvPr>
@@ -864,9 +876,9 @@
           <a:bodyPr/>
           <a:lstStyle/>
           <a:p>
-            <a:fld id="{D2D72B30-8360-FC43-ACB0-1F203B48510B}" type="datetimeFigureOut">
+            <a:fld id="{CC7681B7-838B-4240-975C-8C3D0ED0A68A}" type="datetimeFigureOut">
               <a:rPr lang="en-US" smtClean="0"/>
-              <a:t>12/1/24</a:t>
+              <a:t>12/19/24</a:t>
             </a:fld>
             <a:endParaRPr lang="en-US"/>
           </a:p>
@@ -877,7 +889,7 @@
           <p:cNvPr id="5" name="Footer Placeholder 4">
             <a:extLst>
               <a:ext uri="{FF2B5EF4-FFF2-40B4-BE49-F238E27FC236}">
-                <a16:creationId xmlns:a16="http://schemas.microsoft.com/office/drawing/2014/main" id="{11E1D4AD-3B2E-E9A2-CA7B-EC9757775341}"/>
+                <a16:creationId xmlns:a16="http://schemas.microsoft.com/office/drawing/2014/main" id="{9BE6D1B1-B612-5A0A-6F22-05F4CD874668}"/>
               </a:ext>
             </a:extLst>
           </p:cNvPr>
@@ -902,7 +914,7 @@
           <p:cNvPr id="6" name="Slide Number Placeholder 5">
             <a:extLst>
               <a:ext uri="{FF2B5EF4-FFF2-40B4-BE49-F238E27FC236}">
-                <a16:creationId xmlns:a16="http://schemas.microsoft.com/office/drawing/2014/main" id="{F99E2514-2527-15F9-474D-CCBC9CF3B796}"/>
+                <a16:creationId xmlns:a16="http://schemas.microsoft.com/office/drawing/2014/main" id="{EED6C002-FD86-89A2-C9C6-98462AA3ACCA}"/>
               </a:ext>
             </a:extLst>
           </p:cNvPr>
@@ -918,7 +930,7 @@
           <a:bodyPr/>
           <a:lstStyle/>
           <a:p>
-            <a:fld id="{64A4AEB5-775F-4141-8266-0545CA7D5462}" type="slidenum">
+            <a:fld id="{2DBF9DE4-BFB4-6F49-B670-06B51EFCF367}" type="slidenum">
               <a:rPr lang="en-US" smtClean="0"/>
               <a:t>‹#›</a:t>
             </a:fld>
@@ -929,7 +941,7 @@
     </p:spTree>
     <p:extLst>
       <p:ext uri="{BB962C8B-B14F-4D97-AF65-F5344CB8AC3E}">
-        <p14:creationId xmlns:p14="http://schemas.microsoft.com/office/powerpoint/2010/main" val="3310994260"/>
+        <p14:creationId xmlns:p14="http://schemas.microsoft.com/office/powerpoint/2010/main" val="2805058164"/>
       </p:ext>
     </p:extLst>
   </p:cSld>
@@ -961,7 +973,7 @@
           <p:cNvPr id="2" name="Title 1">
             <a:extLst>
               <a:ext uri="{FF2B5EF4-FFF2-40B4-BE49-F238E27FC236}">
-                <a16:creationId xmlns:a16="http://schemas.microsoft.com/office/drawing/2014/main" id="{A17546B0-7B6F-61A5-EE9F-93B17C6BB6C2}"/>
+                <a16:creationId xmlns:a16="http://schemas.microsoft.com/office/drawing/2014/main" id="{BB32D9D4-E172-2CC2-E18F-6AB51F425366}"/>
               </a:ext>
             </a:extLst>
           </p:cNvPr>
@@ -999,7 +1011,7 @@
           <p:cNvPr id="3" name="Text Placeholder 2">
             <a:extLst>
               <a:ext uri="{FF2B5EF4-FFF2-40B4-BE49-F238E27FC236}">
-                <a16:creationId xmlns:a16="http://schemas.microsoft.com/office/drawing/2014/main" id="{3F4972BA-5280-422D-9D2B-731ACD008DC0}"/>
+                <a16:creationId xmlns:a16="http://schemas.microsoft.com/office/drawing/2014/main" id="{76D872E0-0D40-2632-8408-3BF32701A5C0}"/>
               </a:ext>
             </a:extLst>
           </p:cNvPr>
@@ -1124,7 +1136,7 @@
           <p:cNvPr id="4" name="Date Placeholder 3">
             <a:extLst>
               <a:ext uri="{FF2B5EF4-FFF2-40B4-BE49-F238E27FC236}">
-                <a16:creationId xmlns:a16="http://schemas.microsoft.com/office/drawing/2014/main" id="{D18D40F2-B1A3-7F29-4854-D5B11C167B76}"/>
+                <a16:creationId xmlns:a16="http://schemas.microsoft.com/office/drawing/2014/main" id="{2CC97511-1691-EAC6-433E-F719512C37F8}"/>
               </a:ext>
             </a:extLst>
           </p:cNvPr>
@@ -1140,9 +1152,9 @@
           <a:bodyPr/>
           <a:lstStyle/>
           <a:p>
-            <a:fld id="{D2D72B30-8360-FC43-ACB0-1F203B48510B}" type="datetimeFigureOut">
+            <a:fld id="{CC7681B7-838B-4240-975C-8C3D0ED0A68A}" type="datetimeFigureOut">
               <a:rPr lang="en-US" smtClean="0"/>
-              <a:t>12/1/24</a:t>
+              <a:t>12/19/24</a:t>
             </a:fld>
             <a:endParaRPr lang="en-US"/>
           </a:p>
@@ -1153,7 +1165,7 @@
           <p:cNvPr id="5" name="Footer Placeholder 4">
             <a:extLst>
               <a:ext uri="{FF2B5EF4-FFF2-40B4-BE49-F238E27FC236}">
-                <a16:creationId xmlns:a16="http://schemas.microsoft.com/office/drawing/2014/main" id="{19694BA8-0EA7-2994-01FF-6DB7506E4F6E}"/>
+                <a16:creationId xmlns:a16="http://schemas.microsoft.com/office/drawing/2014/main" id="{9D0570BD-8099-A486-BDBC-6F993A7CBDE0}"/>
               </a:ext>
             </a:extLst>
           </p:cNvPr>
@@ -1178,7 +1190,7 @@
           <p:cNvPr id="6" name="Slide Number Placeholder 5">
             <a:extLst>
               <a:ext uri="{FF2B5EF4-FFF2-40B4-BE49-F238E27FC236}">
-                <a16:creationId xmlns:a16="http://schemas.microsoft.com/office/drawing/2014/main" id="{9AECA0F0-EAB4-D929-F2F4-E54D143B6383}"/>
+                <a16:creationId xmlns:a16="http://schemas.microsoft.com/office/drawing/2014/main" id="{D2C37E05-D89F-59A6-E143-C6B58B22A38E}"/>
               </a:ext>
             </a:extLst>
           </p:cNvPr>
@@ -1194,7 +1206,7 @@
           <a:bodyPr/>
           <a:lstStyle/>
           <a:p>
-            <a:fld id="{64A4AEB5-775F-4141-8266-0545CA7D5462}" type="slidenum">
+            <a:fld id="{2DBF9DE4-BFB4-6F49-B670-06B51EFCF367}" type="slidenum">
               <a:rPr lang="en-US" smtClean="0"/>
               <a:t>‹#›</a:t>
             </a:fld>
@@ -1205,7 +1217,7 @@
     </p:spTree>
     <p:extLst>
       <p:ext uri="{BB962C8B-B14F-4D97-AF65-F5344CB8AC3E}">
-        <p14:creationId xmlns:p14="http://schemas.microsoft.com/office/powerpoint/2010/main" val="488958601"/>
+        <p14:creationId xmlns:p14="http://schemas.microsoft.com/office/powerpoint/2010/main" val="3518333464"/>
       </p:ext>
     </p:extLst>
   </p:cSld>
@@ -1237,7 +1249,7 @@
           <p:cNvPr id="2" name="Title 1">
             <a:extLst>
               <a:ext uri="{FF2B5EF4-FFF2-40B4-BE49-F238E27FC236}">
-                <a16:creationId xmlns:a16="http://schemas.microsoft.com/office/drawing/2014/main" id="{66F6A566-693C-2C35-7A0C-2370BA5B9C3F}"/>
+                <a16:creationId xmlns:a16="http://schemas.microsoft.com/office/drawing/2014/main" id="{0C1DF499-2851-D250-5C21-944BCCE36313}"/>
               </a:ext>
             </a:extLst>
           </p:cNvPr>
@@ -1266,7 +1278,7 @@
           <p:cNvPr id="3" name="Content Placeholder 2">
             <a:extLst>
               <a:ext uri="{FF2B5EF4-FFF2-40B4-BE49-F238E27FC236}">
-                <a16:creationId xmlns:a16="http://schemas.microsoft.com/office/drawing/2014/main" id="{DE4A9025-3BC4-C1D7-8206-9F8B8EE79828}"/>
+                <a16:creationId xmlns:a16="http://schemas.microsoft.com/office/drawing/2014/main" id="{52B17986-B730-6571-5799-1F54A02C450C}"/>
               </a:ext>
             </a:extLst>
           </p:cNvPr>
@@ -1329,7 +1341,7 @@
           <p:cNvPr id="4" name="Content Placeholder 3">
             <a:extLst>
               <a:ext uri="{FF2B5EF4-FFF2-40B4-BE49-F238E27FC236}">
-                <a16:creationId xmlns:a16="http://schemas.microsoft.com/office/drawing/2014/main" id="{365D96D2-00E8-3706-0D2A-2824886AC132}"/>
+                <a16:creationId xmlns:a16="http://schemas.microsoft.com/office/drawing/2014/main" id="{F5D59738-2586-9B72-393E-AC01719C4A18}"/>
               </a:ext>
             </a:extLst>
           </p:cNvPr>
@@ -1392,7 +1404,7 @@
           <p:cNvPr id="5" name="Date Placeholder 4">
             <a:extLst>
               <a:ext uri="{FF2B5EF4-FFF2-40B4-BE49-F238E27FC236}">
-                <a16:creationId xmlns:a16="http://schemas.microsoft.com/office/drawing/2014/main" id="{F5E96369-4CE4-8A8B-BCEF-D42EF224851E}"/>
+                <a16:creationId xmlns:a16="http://schemas.microsoft.com/office/drawing/2014/main" id="{0FABDFDE-0F6B-3563-B1B7-D03FC4C530BD}"/>
               </a:ext>
             </a:extLst>
           </p:cNvPr>
@@ -1408,9 +1420,9 @@
           <a:bodyPr/>
           <a:lstStyle/>
           <a:p>
-            <a:fld id="{D2D72B30-8360-FC43-ACB0-1F203B48510B}" type="datetimeFigureOut">
+            <a:fld id="{CC7681B7-838B-4240-975C-8C3D0ED0A68A}" type="datetimeFigureOut">
               <a:rPr lang="en-US" smtClean="0"/>
-              <a:t>12/1/24</a:t>
+              <a:t>12/19/24</a:t>
             </a:fld>
             <a:endParaRPr lang="en-US"/>
           </a:p>
@@ -1421,7 +1433,7 @@
           <p:cNvPr id="6" name="Footer Placeholder 5">
             <a:extLst>
               <a:ext uri="{FF2B5EF4-FFF2-40B4-BE49-F238E27FC236}">
-                <a16:creationId xmlns:a16="http://schemas.microsoft.com/office/drawing/2014/main" id="{F93965D0-F45A-0B13-2B15-024D469EC5E0}"/>
+                <a16:creationId xmlns:a16="http://schemas.microsoft.com/office/drawing/2014/main" id="{C974135C-A8BB-2392-281C-7118FF117DB0}"/>
               </a:ext>
             </a:extLst>
           </p:cNvPr>
@@ -1446,7 +1458,7 @@
           <p:cNvPr id="7" name="Slide Number Placeholder 6">
             <a:extLst>
               <a:ext uri="{FF2B5EF4-FFF2-40B4-BE49-F238E27FC236}">
-                <a16:creationId xmlns:a16="http://schemas.microsoft.com/office/drawing/2014/main" id="{3604E448-60F6-2879-94A5-F90BBE49C2E5}"/>
+                <a16:creationId xmlns:a16="http://schemas.microsoft.com/office/drawing/2014/main" id="{1A8A7E22-9408-3078-F090-FC7012DFB23B}"/>
               </a:ext>
             </a:extLst>
           </p:cNvPr>
@@ -1462,7 +1474,7 @@
           <a:bodyPr/>
           <a:lstStyle/>
           <a:p>
-            <a:fld id="{64A4AEB5-775F-4141-8266-0545CA7D5462}" type="slidenum">
+            <a:fld id="{2DBF9DE4-BFB4-6F49-B670-06B51EFCF367}" type="slidenum">
               <a:rPr lang="en-US" smtClean="0"/>
               <a:t>‹#›</a:t>
             </a:fld>
@@ -1473,7 +1485,7 @@
     </p:spTree>
     <p:extLst>
       <p:ext uri="{BB962C8B-B14F-4D97-AF65-F5344CB8AC3E}">
-        <p14:creationId xmlns:p14="http://schemas.microsoft.com/office/powerpoint/2010/main" val="1437843383"/>
+        <p14:creationId xmlns:p14="http://schemas.microsoft.com/office/powerpoint/2010/main" val="2303595365"/>
       </p:ext>
     </p:extLst>
   </p:cSld>
@@ -1505,7 +1517,7 @@
           <p:cNvPr id="2" name="Title 1">
             <a:extLst>
               <a:ext uri="{FF2B5EF4-FFF2-40B4-BE49-F238E27FC236}">
-                <a16:creationId xmlns:a16="http://schemas.microsoft.com/office/drawing/2014/main" id="{C40146FC-EE39-0D09-E7CA-1B848FF784A9}"/>
+                <a16:creationId xmlns:a16="http://schemas.microsoft.com/office/drawing/2014/main" id="{9F095286-0DFA-86B5-167E-B84CB5EA5387}"/>
               </a:ext>
             </a:extLst>
           </p:cNvPr>
@@ -1539,7 +1551,7 @@
           <p:cNvPr id="3" name="Text Placeholder 2">
             <a:extLst>
               <a:ext uri="{FF2B5EF4-FFF2-40B4-BE49-F238E27FC236}">
-                <a16:creationId xmlns:a16="http://schemas.microsoft.com/office/drawing/2014/main" id="{6E5BBED2-7FF2-EB56-825C-CD749EF21111}"/>
+                <a16:creationId xmlns:a16="http://schemas.microsoft.com/office/drawing/2014/main" id="{EF17FEE9-3E8A-47C8-D170-BDB94C52A3C6}"/>
               </a:ext>
             </a:extLst>
           </p:cNvPr>
@@ -1610,7 +1622,7 @@
           <p:cNvPr id="4" name="Content Placeholder 3">
             <a:extLst>
               <a:ext uri="{FF2B5EF4-FFF2-40B4-BE49-F238E27FC236}">
-                <a16:creationId xmlns:a16="http://schemas.microsoft.com/office/drawing/2014/main" id="{10478D12-1D7F-58B2-5330-1D0D6B91F643}"/>
+                <a16:creationId xmlns:a16="http://schemas.microsoft.com/office/drawing/2014/main" id="{AC40D46F-3697-8A48-EE21-652C158F4615}"/>
               </a:ext>
             </a:extLst>
           </p:cNvPr>
@@ -1673,7 +1685,7 @@
           <p:cNvPr id="5" name="Text Placeholder 4">
             <a:extLst>
               <a:ext uri="{FF2B5EF4-FFF2-40B4-BE49-F238E27FC236}">
-                <a16:creationId xmlns:a16="http://schemas.microsoft.com/office/drawing/2014/main" id="{4D0C981B-564E-60AB-93CB-AB8C69C2FB1D}"/>
+                <a16:creationId xmlns:a16="http://schemas.microsoft.com/office/drawing/2014/main" id="{1397FAB8-709F-9161-6D59-45F106CC6131}"/>
               </a:ext>
             </a:extLst>
           </p:cNvPr>
@@ -1744,7 +1756,7 @@
           <p:cNvPr id="6" name="Content Placeholder 5">
             <a:extLst>
               <a:ext uri="{FF2B5EF4-FFF2-40B4-BE49-F238E27FC236}">
-                <a16:creationId xmlns:a16="http://schemas.microsoft.com/office/drawing/2014/main" id="{CBBEB885-21CB-F93E-DA0C-607FBC8C273E}"/>
+                <a16:creationId xmlns:a16="http://schemas.microsoft.com/office/drawing/2014/main" id="{C0A2D6BA-09FE-EF3C-E628-58F6375024F0}"/>
               </a:ext>
             </a:extLst>
           </p:cNvPr>
@@ -1807,7 +1819,7 @@
           <p:cNvPr id="7" name="Date Placeholder 6">
             <a:extLst>
               <a:ext uri="{FF2B5EF4-FFF2-40B4-BE49-F238E27FC236}">
-                <a16:creationId xmlns:a16="http://schemas.microsoft.com/office/drawing/2014/main" id="{06F3AA8A-8F79-1BB3-6130-F3D8A28EDA4B}"/>
+                <a16:creationId xmlns:a16="http://schemas.microsoft.com/office/drawing/2014/main" id="{E2F01317-0189-3175-CDC3-79A80999E454}"/>
               </a:ext>
             </a:extLst>
           </p:cNvPr>
@@ -1823,9 +1835,9 @@
           <a:bodyPr/>
           <a:lstStyle/>
           <a:p>
-            <a:fld id="{D2D72B30-8360-FC43-ACB0-1F203B48510B}" type="datetimeFigureOut">
+            <a:fld id="{CC7681B7-838B-4240-975C-8C3D0ED0A68A}" type="datetimeFigureOut">
               <a:rPr lang="en-US" smtClean="0"/>
-              <a:t>12/1/24</a:t>
+              <a:t>12/19/24</a:t>
             </a:fld>
             <a:endParaRPr lang="en-US"/>
           </a:p>
@@ -1836,7 +1848,7 @@
           <p:cNvPr id="8" name="Footer Placeholder 7">
             <a:extLst>
               <a:ext uri="{FF2B5EF4-FFF2-40B4-BE49-F238E27FC236}">
-                <a16:creationId xmlns:a16="http://schemas.microsoft.com/office/drawing/2014/main" id="{115D913A-A7CF-EDAB-BF81-CC8F1AE669C2}"/>
+                <a16:creationId xmlns:a16="http://schemas.microsoft.com/office/drawing/2014/main" id="{AC3683FF-876D-9F0A-65DF-091CD2D6520C}"/>
               </a:ext>
             </a:extLst>
           </p:cNvPr>
@@ -1861,7 +1873,7 @@
           <p:cNvPr id="9" name="Slide Number Placeholder 8">
             <a:extLst>
               <a:ext uri="{FF2B5EF4-FFF2-40B4-BE49-F238E27FC236}">
-                <a16:creationId xmlns:a16="http://schemas.microsoft.com/office/drawing/2014/main" id="{CBBA04A9-92C9-2471-FF39-B36296D5D175}"/>
+                <a16:creationId xmlns:a16="http://schemas.microsoft.com/office/drawing/2014/main" id="{75F22430-353D-12EC-D03A-8BEF92F40584}"/>
               </a:ext>
             </a:extLst>
           </p:cNvPr>
@@ -1877,7 +1889,7 @@
           <a:bodyPr/>
           <a:lstStyle/>
           <a:p>
-            <a:fld id="{64A4AEB5-775F-4141-8266-0545CA7D5462}" type="slidenum">
+            <a:fld id="{2DBF9DE4-BFB4-6F49-B670-06B51EFCF367}" type="slidenum">
               <a:rPr lang="en-US" smtClean="0"/>
               <a:t>‹#›</a:t>
             </a:fld>
@@ -1888,7 +1900,7 @@
     </p:spTree>
     <p:extLst>
       <p:ext uri="{BB962C8B-B14F-4D97-AF65-F5344CB8AC3E}">
-        <p14:creationId xmlns:p14="http://schemas.microsoft.com/office/powerpoint/2010/main" val="1411931120"/>
+        <p14:creationId xmlns:p14="http://schemas.microsoft.com/office/powerpoint/2010/main" val="3431815634"/>
       </p:ext>
     </p:extLst>
   </p:cSld>
@@ -1920,7 +1932,7 @@
           <p:cNvPr id="2" name="Title 1">
             <a:extLst>
               <a:ext uri="{FF2B5EF4-FFF2-40B4-BE49-F238E27FC236}">
-                <a16:creationId xmlns:a16="http://schemas.microsoft.com/office/drawing/2014/main" id="{507B6067-562C-61B1-E0DA-4B67C95EB340}"/>
+                <a16:creationId xmlns:a16="http://schemas.microsoft.com/office/drawing/2014/main" id="{962A04B7-6C35-3D22-D9E1-41258FA85EE0}"/>
               </a:ext>
             </a:extLst>
           </p:cNvPr>
@@ -1949,7 +1961,7 @@
           <p:cNvPr id="3" name="Date Placeholder 2">
             <a:extLst>
               <a:ext uri="{FF2B5EF4-FFF2-40B4-BE49-F238E27FC236}">
-                <a16:creationId xmlns:a16="http://schemas.microsoft.com/office/drawing/2014/main" id="{FE9B20E5-00BC-2BBC-9476-B7528F5CE02D}"/>
+                <a16:creationId xmlns:a16="http://schemas.microsoft.com/office/drawing/2014/main" id="{E5545B13-6DF5-CDA2-2059-9EA0EC96F802}"/>
               </a:ext>
             </a:extLst>
           </p:cNvPr>
@@ -1965,9 +1977,9 @@
           <a:bodyPr/>
           <a:lstStyle/>
           <a:p>
-            <a:fld id="{D2D72B30-8360-FC43-ACB0-1F203B48510B}" type="datetimeFigureOut">
+            <a:fld id="{CC7681B7-838B-4240-975C-8C3D0ED0A68A}" type="datetimeFigureOut">
               <a:rPr lang="en-US" smtClean="0"/>
-              <a:t>12/1/24</a:t>
+              <a:t>12/19/24</a:t>
             </a:fld>
             <a:endParaRPr lang="en-US"/>
           </a:p>
@@ -1978,7 +1990,7 @@
           <p:cNvPr id="4" name="Footer Placeholder 3">
             <a:extLst>
               <a:ext uri="{FF2B5EF4-FFF2-40B4-BE49-F238E27FC236}">
-                <a16:creationId xmlns:a16="http://schemas.microsoft.com/office/drawing/2014/main" id="{A84AB793-9319-66F8-B062-D2159FF46282}"/>
+                <a16:creationId xmlns:a16="http://schemas.microsoft.com/office/drawing/2014/main" id="{EE9D665E-EACD-CADC-9AF1-81EDBD92333E}"/>
               </a:ext>
             </a:extLst>
           </p:cNvPr>
@@ -2003,7 +2015,7 @@
           <p:cNvPr id="5" name="Slide Number Placeholder 4">
             <a:extLst>
               <a:ext uri="{FF2B5EF4-FFF2-40B4-BE49-F238E27FC236}">
-                <a16:creationId xmlns:a16="http://schemas.microsoft.com/office/drawing/2014/main" id="{1834E1A8-1213-8900-F991-5E9F530D3530}"/>
+                <a16:creationId xmlns:a16="http://schemas.microsoft.com/office/drawing/2014/main" id="{1FC310B1-48A7-3640-0592-2D60DD00EB6D}"/>
               </a:ext>
             </a:extLst>
           </p:cNvPr>
@@ -2019,7 +2031,7 @@
           <a:bodyPr/>
           <a:lstStyle/>
           <a:p>
-            <a:fld id="{64A4AEB5-775F-4141-8266-0545CA7D5462}" type="slidenum">
+            <a:fld id="{2DBF9DE4-BFB4-6F49-B670-06B51EFCF367}" type="slidenum">
               <a:rPr lang="en-US" smtClean="0"/>
               <a:t>‹#›</a:t>
             </a:fld>
@@ -2030,7 +2042,7 @@
     </p:spTree>
     <p:extLst>
       <p:ext uri="{BB962C8B-B14F-4D97-AF65-F5344CB8AC3E}">
-        <p14:creationId xmlns:p14="http://schemas.microsoft.com/office/powerpoint/2010/main" val="2703760130"/>
+        <p14:creationId xmlns:p14="http://schemas.microsoft.com/office/powerpoint/2010/main" val="3871489079"/>
       </p:ext>
     </p:extLst>
   </p:cSld>
@@ -2062,7 +2074,7 @@
           <p:cNvPr id="2" name="Date Placeholder 1">
             <a:extLst>
               <a:ext uri="{FF2B5EF4-FFF2-40B4-BE49-F238E27FC236}">
-                <a16:creationId xmlns:a16="http://schemas.microsoft.com/office/drawing/2014/main" id="{4911858E-7113-9F81-A8AF-B00B55B9586D}"/>
+                <a16:creationId xmlns:a16="http://schemas.microsoft.com/office/drawing/2014/main" id="{E3F38874-1FB5-8B9B-28A6-70651532C1C2}"/>
               </a:ext>
             </a:extLst>
           </p:cNvPr>
@@ -2078,9 +2090,9 @@
           <a:bodyPr/>
           <a:lstStyle/>
           <a:p>
-            <a:fld id="{D2D72B30-8360-FC43-ACB0-1F203B48510B}" type="datetimeFigureOut">
+            <a:fld id="{CC7681B7-838B-4240-975C-8C3D0ED0A68A}" type="datetimeFigureOut">
               <a:rPr lang="en-US" smtClean="0"/>
-              <a:t>12/1/24</a:t>
+              <a:t>12/19/24</a:t>
             </a:fld>
             <a:endParaRPr lang="en-US"/>
           </a:p>
@@ -2091,7 +2103,7 @@
           <p:cNvPr id="3" name="Footer Placeholder 2">
             <a:extLst>
               <a:ext uri="{FF2B5EF4-FFF2-40B4-BE49-F238E27FC236}">
-                <a16:creationId xmlns:a16="http://schemas.microsoft.com/office/drawing/2014/main" id="{CCBD06F8-81CC-5DCC-350F-CA83590ADA21}"/>
+                <a16:creationId xmlns:a16="http://schemas.microsoft.com/office/drawing/2014/main" id="{6C0DB20C-B793-E872-B77B-42819E02F647}"/>
               </a:ext>
             </a:extLst>
           </p:cNvPr>
@@ -2116,7 +2128,7 @@
           <p:cNvPr id="4" name="Slide Number Placeholder 3">
             <a:extLst>
               <a:ext uri="{FF2B5EF4-FFF2-40B4-BE49-F238E27FC236}">
-                <a16:creationId xmlns:a16="http://schemas.microsoft.com/office/drawing/2014/main" id="{1C4B3ACC-0949-84AE-2C25-BB8A9039C70C}"/>
+                <a16:creationId xmlns:a16="http://schemas.microsoft.com/office/drawing/2014/main" id="{59AC2E57-E174-FE0F-BE93-315D28140941}"/>
               </a:ext>
             </a:extLst>
           </p:cNvPr>
@@ -2132,7 +2144,7 @@
           <a:bodyPr/>
           <a:lstStyle/>
           <a:p>
-            <a:fld id="{64A4AEB5-775F-4141-8266-0545CA7D5462}" type="slidenum">
+            <a:fld id="{2DBF9DE4-BFB4-6F49-B670-06B51EFCF367}" type="slidenum">
               <a:rPr lang="en-US" smtClean="0"/>
               <a:t>‹#›</a:t>
             </a:fld>
@@ -2143,7 +2155,7 @@
     </p:spTree>
     <p:extLst>
       <p:ext uri="{BB962C8B-B14F-4D97-AF65-F5344CB8AC3E}">
-        <p14:creationId xmlns:p14="http://schemas.microsoft.com/office/powerpoint/2010/main" val="2025869888"/>
+        <p14:creationId xmlns:p14="http://schemas.microsoft.com/office/powerpoint/2010/main" val="4030311454"/>
       </p:ext>
     </p:extLst>
   </p:cSld>
@@ -2175,7 +2187,7 @@
           <p:cNvPr id="2" name="Title 1">
             <a:extLst>
               <a:ext uri="{FF2B5EF4-FFF2-40B4-BE49-F238E27FC236}">
-                <a16:creationId xmlns:a16="http://schemas.microsoft.com/office/drawing/2014/main" id="{ED72D635-2F17-6398-7C9C-86F3DD7015C0}"/>
+                <a16:creationId xmlns:a16="http://schemas.microsoft.com/office/drawing/2014/main" id="{2AF3FCAE-936A-F507-CD39-9B71EB543A33}"/>
               </a:ext>
             </a:extLst>
           </p:cNvPr>
@@ -2213,7 +2225,7 @@
           <p:cNvPr id="3" name="Content Placeholder 2">
             <a:extLst>
               <a:ext uri="{FF2B5EF4-FFF2-40B4-BE49-F238E27FC236}">
-                <a16:creationId xmlns:a16="http://schemas.microsoft.com/office/drawing/2014/main" id="{D4E9A547-AB84-60E6-DF47-9C17D105EFFA}"/>
+                <a16:creationId xmlns:a16="http://schemas.microsoft.com/office/drawing/2014/main" id="{DCE0908A-CAAC-8DA1-86B7-C10B0BDB937C}"/>
               </a:ext>
             </a:extLst>
           </p:cNvPr>
@@ -2304,7 +2316,7 @@
           <p:cNvPr id="4" name="Text Placeholder 3">
             <a:extLst>
               <a:ext uri="{FF2B5EF4-FFF2-40B4-BE49-F238E27FC236}">
-                <a16:creationId xmlns:a16="http://schemas.microsoft.com/office/drawing/2014/main" id="{85B80B27-BCCB-AE39-5FE6-635F3B9B4067}"/>
+                <a16:creationId xmlns:a16="http://schemas.microsoft.com/office/drawing/2014/main" id="{336D0A98-1499-18A7-E7F9-3BEE1A783FE0}"/>
               </a:ext>
             </a:extLst>
           </p:cNvPr>
@@ -2375,7 +2387,7 @@
           <p:cNvPr id="5" name="Date Placeholder 4">
             <a:extLst>
               <a:ext uri="{FF2B5EF4-FFF2-40B4-BE49-F238E27FC236}">
-                <a16:creationId xmlns:a16="http://schemas.microsoft.com/office/drawing/2014/main" id="{997270B1-806F-3E4A-C4E4-9D8516CDF0E9}"/>
+                <a16:creationId xmlns:a16="http://schemas.microsoft.com/office/drawing/2014/main" id="{0FAA5A76-69B5-2C3E-9C3F-DA496A7BF906}"/>
               </a:ext>
             </a:extLst>
           </p:cNvPr>
@@ -2391,9 +2403,9 @@
           <a:bodyPr/>
           <a:lstStyle/>
           <a:p>
-            <a:fld id="{D2D72B30-8360-FC43-ACB0-1F203B48510B}" type="datetimeFigureOut">
+            <a:fld id="{CC7681B7-838B-4240-975C-8C3D0ED0A68A}" type="datetimeFigureOut">
               <a:rPr lang="en-US" smtClean="0"/>
-              <a:t>12/1/24</a:t>
+              <a:t>12/19/24</a:t>
             </a:fld>
             <a:endParaRPr lang="en-US"/>
           </a:p>
@@ -2404,7 +2416,7 @@
           <p:cNvPr id="6" name="Footer Placeholder 5">
             <a:extLst>
               <a:ext uri="{FF2B5EF4-FFF2-40B4-BE49-F238E27FC236}">
-                <a16:creationId xmlns:a16="http://schemas.microsoft.com/office/drawing/2014/main" id="{2AFE1709-CEC7-79C8-7AF8-F9A8FBC4BDDC}"/>
+                <a16:creationId xmlns:a16="http://schemas.microsoft.com/office/drawing/2014/main" id="{8263CC46-47AF-2245-2C0F-7F31C71CD25C}"/>
               </a:ext>
             </a:extLst>
           </p:cNvPr>
@@ -2429,7 +2441,7 @@
           <p:cNvPr id="7" name="Slide Number Placeholder 6">
             <a:extLst>
               <a:ext uri="{FF2B5EF4-FFF2-40B4-BE49-F238E27FC236}">
-                <a16:creationId xmlns:a16="http://schemas.microsoft.com/office/drawing/2014/main" id="{C05BF2E7-CCC8-F930-0D9E-0A54145B490D}"/>
+                <a16:creationId xmlns:a16="http://schemas.microsoft.com/office/drawing/2014/main" id="{D0D918F8-3800-504C-D488-975F21DBC410}"/>
               </a:ext>
             </a:extLst>
           </p:cNvPr>
@@ -2445,7 +2457,7 @@
           <a:bodyPr/>
           <a:lstStyle/>
           <a:p>
-            <a:fld id="{64A4AEB5-775F-4141-8266-0545CA7D5462}" type="slidenum">
+            <a:fld id="{2DBF9DE4-BFB4-6F49-B670-06B51EFCF367}" type="slidenum">
               <a:rPr lang="en-US" smtClean="0"/>
               <a:t>‹#›</a:t>
             </a:fld>
@@ -2456,7 +2468,7 @@
     </p:spTree>
     <p:extLst>
       <p:ext uri="{BB962C8B-B14F-4D97-AF65-F5344CB8AC3E}">
-        <p14:creationId xmlns:p14="http://schemas.microsoft.com/office/powerpoint/2010/main" val="3084547694"/>
+        <p14:creationId xmlns:p14="http://schemas.microsoft.com/office/powerpoint/2010/main" val="1718740964"/>
       </p:ext>
     </p:extLst>
   </p:cSld>
@@ -2488,7 +2500,7 @@
           <p:cNvPr id="2" name="Title 1">
             <a:extLst>
               <a:ext uri="{FF2B5EF4-FFF2-40B4-BE49-F238E27FC236}">
-                <a16:creationId xmlns:a16="http://schemas.microsoft.com/office/drawing/2014/main" id="{08B65D3A-D1F1-97D9-D440-20F823BC5461}"/>
+                <a16:creationId xmlns:a16="http://schemas.microsoft.com/office/drawing/2014/main" id="{ED863015-5111-D3DB-72A8-57E694824849}"/>
               </a:ext>
             </a:extLst>
           </p:cNvPr>
@@ -2526,7 +2538,7 @@
           <p:cNvPr id="3" name="Picture Placeholder 2">
             <a:extLst>
               <a:ext uri="{FF2B5EF4-FFF2-40B4-BE49-F238E27FC236}">
-                <a16:creationId xmlns:a16="http://schemas.microsoft.com/office/drawing/2014/main" id="{7ABE5192-8823-28F1-2CAF-037381CDFCFD}"/>
+                <a16:creationId xmlns:a16="http://schemas.microsoft.com/office/drawing/2014/main" id="{E500E028-63B9-CBFF-C458-BCC611D7154C}"/>
               </a:ext>
             </a:extLst>
           </p:cNvPr>
@@ -2593,7 +2605,7 @@
           <p:cNvPr id="4" name="Text Placeholder 3">
             <a:extLst>
               <a:ext uri="{FF2B5EF4-FFF2-40B4-BE49-F238E27FC236}">
-                <a16:creationId xmlns:a16="http://schemas.microsoft.com/office/drawing/2014/main" id="{69EA381E-3818-656B-55DE-10BD5C90A724}"/>
+                <a16:creationId xmlns:a16="http://schemas.microsoft.com/office/drawing/2014/main" id="{B4B2737D-BFDD-8DBF-0D85-82E19DB425F4}"/>
               </a:ext>
             </a:extLst>
           </p:cNvPr>
@@ -2664,7 +2676,7 @@
           <p:cNvPr id="5" name="Date Placeholder 4">
             <a:extLst>
               <a:ext uri="{FF2B5EF4-FFF2-40B4-BE49-F238E27FC236}">
-                <a16:creationId xmlns:a16="http://schemas.microsoft.com/office/drawing/2014/main" id="{C39CA566-61D5-DF5F-14DC-6E22ED5026B8}"/>
+                <a16:creationId xmlns:a16="http://schemas.microsoft.com/office/drawing/2014/main" id="{6B03F0DF-1BB7-4662-1920-30F1BB7CB4E3}"/>
               </a:ext>
             </a:extLst>
           </p:cNvPr>
@@ -2680,9 +2692,9 @@
           <a:bodyPr/>
           <a:lstStyle/>
           <a:p>
-            <a:fld id="{D2D72B30-8360-FC43-ACB0-1F203B48510B}" type="datetimeFigureOut">
+            <a:fld id="{CC7681B7-838B-4240-975C-8C3D0ED0A68A}" type="datetimeFigureOut">
               <a:rPr lang="en-US" smtClean="0"/>
-              <a:t>12/1/24</a:t>
+              <a:t>12/19/24</a:t>
             </a:fld>
             <a:endParaRPr lang="en-US"/>
           </a:p>
@@ -2693,7 +2705,7 @@
           <p:cNvPr id="6" name="Footer Placeholder 5">
             <a:extLst>
               <a:ext uri="{FF2B5EF4-FFF2-40B4-BE49-F238E27FC236}">
-                <a16:creationId xmlns:a16="http://schemas.microsoft.com/office/drawing/2014/main" id="{86B6A9C8-549D-C5C1-3A93-F33386E3F609}"/>
+                <a16:creationId xmlns:a16="http://schemas.microsoft.com/office/drawing/2014/main" id="{96C82080-779C-0DCF-9966-37C27F7A429A}"/>
               </a:ext>
             </a:extLst>
           </p:cNvPr>
@@ -2718,7 +2730,7 @@
           <p:cNvPr id="7" name="Slide Number Placeholder 6">
             <a:extLst>
               <a:ext uri="{FF2B5EF4-FFF2-40B4-BE49-F238E27FC236}">
-                <a16:creationId xmlns:a16="http://schemas.microsoft.com/office/drawing/2014/main" id="{6E8E5941-FE07-1AC8-D702-3FFC1C3A041D}"/>
+                <a16:creationId xmlns:a16="http://schemas.microsoft.com/office/drawing/2014/main" id="{84F0C7B7-F644-088E-969B-B47ACDD8ADA5}"/>
               </a:ext>
             </a:extLst>
           </p:cNvPr>
@@ -2734,7 +2746,7 @@
           <a:bodyPr/>
           <a:lstStyle/>
           <a:p>
-            <a:fld id="{64A4AEB5-775F-4141-8266-0545CA7D5462}" type="slidenum">
+            <a:fld id="{2DBF9DE4-BFB4-6F49-B670-06B51EFCF367}" type="slidenum">
               <a:rPr lang="en-US" smtClean="0"/>
               <a:t>‹#›</a:t>
             </a:fld>
@@ -2745,7 +2757,7 @@
     </p:spTree>
     <p:extLst>
       <p:ext uri="{BB962C8B-B14F-4D97-AF65-F5344CB8AC3E}">
-        <p14:creationId xmlns:p14="http://schemas.microsoft.com/office/powerpoint/2010/main" val="1357308015"/>
+        <p14:creationId xmlns:p14="http://schemas.microsoft.com/office/powerpoint/2010/main" val="3579194172"/>
       </p:ext>
     </p:extLst>
   </p:cSld>
@@ -2782,7 +2794,7 @@
           <p:cNvPr id="2" name="Title Placeholder 1">
             <a:extLst>
               <a:ext uri="{FF2B5EF4-FFF2-40B4-BE49-F238E27FC236}">
-                <a16:creationId xmlns:a16="http://schemas.microsoft.com/office/drawing/2014/main" id="{3E3999C5-7988-6230-8A67-C85651B138C4}"/>
+                <a16:creationId xmlns:a16="http://schemas.microsoft.com/office/drawing/2014/main" id="{35327F7E-00EF-FA87-302F-9CB9A6C15EEF}"/>
               </a:ext>
             </a:extLst>
           </p:cNvPr>
@@ -2821,7 +2833,7 @@
           <p:cNvPr id="3" name="Text Placeholder 2">
             <a:extLst>
               <a:ext uri="{FF2B5EF4-FFF2-40B4-BE49-F238E27FC236}">
-                <a16:creationId xmlns:a16="http://schemas.microsoft.com/office/drawing/2014/main" id="{3ECB5F12-E93D-EA8C-544E-F6BE06C0FFFF}"/>
+                <a16:creationId xmlns:a16="http://schemas.microsoft.com/office/drawing/2014/main" id="{F85DD251-C314-8EAC-9248-FEBBA13144EE}"/>
               </a:ext>
             </a:extLst>
           </p:cNvPr>
@@ -2889,7 +2901,7 @@
           <p:cNvPr id="4" name="Date Placeholder 3">
             <a:extLst>
               <a:ext uri="{FF2B5EF4-FFF2-40B4-BE49-F238E27FC236}">
-                <a16:creationId xmlns:a16="http://schemas.microsoft.com/office/drawing/2014/main" id="{7685B369-F087-95AB-DE97-EB6B0E0C9810}"/>
+                <a16:creationId xmlns:a16="http://schemas.microsoft.com/office/drawing/2014/main" id="{87933352-2833-C226-CEB1-C34F803093E6}"/>
               </a:ext>
             </a:extLst>
           </p:cNvPr>
@@ -2923,9 +2935,9 @@
             </a:lvl1pPr>
           </a:lstStyle>
           <a:p>
-            <a:fld id="{D2D72B30-8360-FC43-ACB0-1F203B48510B}" type="datetimeFigureOut">
+            <a:fld id="{CC7681B7-838B-4240-975C-8C3D0ED0A68A}" type="datetimeFigureOut">
               <a:rPr lang="en-US" smtClean="0"/>
-              <a:t>12/1/24</a:t>
+              <a:t>12/19/24</a:t>
             </a:fld>
             <a:endParaRPr lang="en-US"/>
           </a:p>
@@ -2936,7 +2948,7 @@
           <p:cNvPr id="5" name="Footer Placeholder 4">
             <a:extLst>
               <a:ext uri="{FF2B5EF4-FFF2-40B4-BE49-F238E27FC236}">
-                <a16:creationId xmlns:a16="http://schemas.microsoft.com/office/drawing/2014/main" id="{8D2A12DD-5238-DA96-42B9-3DEF08336C0D}"/>
+                <a16:creationId xmlns:a16="http://schemas.microsoft.com/office/drawing/2014/main" id="{06266993-5945-B101-9763-0E4B2EBDBF57}"/>
               </a:ext>
             </a:extLst>
           </p:cNvPr>
@@ -2979,7 +2991,7 @@
           <p:cNvPr id="6" name="Slide Number Placeholder 5">
             <a:extLst>
               <a:ext uri="{FF2B5EF4-FFF2-40B4-BE49-F238E27FC236}">
-                <a16:creationId xmlns:a16="http://schemas.microsoft.com/office/drawing/2014/main" id="{8490B4F1-60E3-1142-48E8-50A5996460EA}"/>
+                <a16:creationId xmlns:a16="http://schemas.microsoft.com/office/drawing/2014/main" id="{D1BD04E0-65D7-25BF-2AEE-7179D15F0E3A}"/>
               </a:ext>
             </a:extLst>
           </p:cNvPr>
@@ -3013,7 +3025,7 @@
             </a:lvl1pPr>
           </a:lstStyle>
           <a:p>
-            <a:fld id="{64A4AEB5-775F-4141-8266-0545CA7D5462}" type="slidenum">
+            <a:fld id="{2DBF9DE4-BFB4-6F49-B670-06B51EFCF367}" type="slidenum">
               <a:rPr lang="en-US" smtClean="0"/>
               <a:t>‹#›</a:t>
             </a:fld>
@@ -3024,7 +3036,7 @@
     </p:spTree>
     <p:extLst>
       <p:ext uri="{BB962C8B-B14F-4D97-AF65-F5344CB8AC3E}">
-        <p14:creationId xmlns:p14="http://schemas.microsoft.com/office/powerpoint/2010/main" val="2645679906"/>
+        <p14:creationId xmlns:p14="http://schemas.microsoft.com/office/powerpoint/2010/main" val="3019719745"/>
       </p:ext>
     </p:extLst>
   </p:cSld>
@@ -3342,61 +3354,57 @@
           <a:chExt cx="0" cy="0"/>
         </a:xfrm>
       </p:grpSpPr>
-      <p:pic>
-        <p:nvPicPr>
-          <p:cNvPr id="4" name="Picture 3">
-            <a:extLst>
-              <a:ext uri="{FF2B5EF4-FFF2-40B4-BE49-F238E27FC236}">
-                <a16:creationId xmlns:a16="http://schemas.microsoft.com/office/drawing/2014/main" id="{2A0775B7-4859-141E-43AE-999D87AF8102}"/>
-              </a:ext>
-            </a:extLst>
-          </p:cNvPr>
-          <p:cNvPicPr>
-            <a:picLocks noChangeAspect="1"/>
-          </p:cNvPicPr>
+      <p:sp>
+        <p:nvSpPr>
+          <p:cNvPr id="7" name="Rounded Rectangle 6">
+            <a:extLst>
+              <a:ext uri="{FF2B5EF4-FFF2-40B4-BE49-F238E27FC236}">
+                <a16:creationId xmlns:a16="http://schemas.microsoft.com/office/drawing/2014/main" id="{245B7F3B-6F78-7844-8929-4534489F0081}"/>
+              </a:ext>
+            </a:extLst>
+          </p:cNvPr>
+          <p:cNvSpPr/>
           <p:nvPr/>
-        </p:nvPicPr>
-        <p:blipFill>
-          <a:blip r:embed="rId2"/>
-          <a:stretch>
-            <a:fillRect/>
-          </a:stretch>
-        </p:blipFill>
+        </p:nvSpPr>
         <p:spPr>
           <a:xfrm>
-            <a:off x="4144359" y="0"/>
-            <a:ext cx="3903281" cy="6858000"/>
-          </a:xfrm>
-          <a:prstGeom prst="rect">
-            <a:avLst/>
-          </a:prstGeom>
-        </p:spPr>
-      </p:pic>
-      <p:sp>
-        <p:nvSpPr>
-          <p:cNvPr id="5" name="Rounded Rectangle 4">
-            <a:extLst>
-              <a:ext uri="{FF2B5EF4-FFF2-40B4-BE49-F238E27FC236}">
-                <a16:creationId xmlns:a16="http://schemas.microsoft.com/office/drawing/2014/main" id="{1A0717BC-44E0-F9B7-68BB-BE3D90BF9146}"/>
-              </a:ext>
-            </a:extLst>
-          </p:cNvPr>
-          <p:cNvSpPr/>
-          <p:nvPr/>
-        </p:nvSpPr>
-        <p:spPr>
-          <a:xfrm>
-            <a:off x="5893796" y="558476"/>
-            <a:ext cx="3118228" cy="581891"/>
+            <a:off x="3549533" y="1614908"/>
+            <a:ext cx="2734887" cy="512450"/>
           </a:xfrm>
           <a:prstGeom prst="roundRect">
             <a:avLst/>
           </a:prstGeom>
-          <a:solidFill>
-            <a:schemeClr val="accent5"/>
-          </a:solidFill>
           <a:ln>
-            <a:noFill/>
+            <a:gradFill flip="none" rotWithShape="1">
+              <a:gsLst>
+                <a:gs pos="0">
+                  <a:schemeClr val="accent5">
+                    <a:lumMod val="5000"/>
+                    <a:lumOff val="95000"/>
+                  </a:schemeClr>
+                </a:gs>
+                <a:gs pos="74000">
+                  <a:schemeClr val="accent5">
+                    <a:lumMod val="45000"/>
+                    <a:lumOff val="55000"/>
+                  </a:schemeClr>
+                </a:gs>
+                <a:gs pos="83000">
+                  <a:schemeClr val="accent5">
+                    <a:lumMod val="45000"/>
+                    <a:lumOff val="55000"/>
+                  </a:schemeClr>
+                </a:gs>
+                <a:gs pos="100000">
+                  <a:schemeClr val="accent5">
+                    <a:lumMod val="30000"/>
+                    <a:lumOff val="70000"/>
+                  </a:schemeClr>
+                </a:gs>
+              </a:gsLst>
+              <a:lin ang="5400000" scaled="1"/>
+              <a:tileRect/>
+            </a:gradFill>
           </a:ln>
         </p:spPr>
         <p:style>
@@ -3418,32 +3426,18 @@
           <a:lstStyle/>
           <a:p>
             <a:r>
-              <a:rPr lang="en-US" sz="1400" dirty="0">
-                <a:ln w="0"/>
-                <a:solidFill>
-                  <a:schemeClr val="bg1"/>
-                </a:solidFill>
-                <a:effectLst>
-                  <a:outerShdw blurRad="38100" dist="19050" dir="2700000" algn="tl" rotWithShape="0">
-                    <a:schemeClr val="dk1">
-                      <a:alpha val="40000"/>
-                    </a:schemeClr>
-                  </a:outerShdw>
-                </a:effectLst>
-                <a:latin typeface="Arial" panose="020B0604020202020204" pitchFamily="34" charset="0"/>
-                <a:cs typeface="Arial" panose="020B0604020202020204" pitchFamily="34" charset="0"/>
-              </a:rPr>
-              <a:t>Are you able to service the Greater London Area?</a:t>
-            </a:r>
-          </a:p>
-        </p:txBody>
-      </p:sp>
-      <p:sp>
-        <p:nvSpPr>
-          <p:cNvPr id="6" name="Rounded Rectangle 5">
-            <a:extLst>
-              <a:ext uri="{FF2B5EF4-FFF2-40B4-BE49-F238E27FC236}">
-                <a16:creationId xmlns:a16="http://schemas.microsoft.com/office/drawing/2014/main" id="{38A52F0C-677D-0D9C-ECA4-83BF87E76265}"/>
+              <a:rPr lang="en-US" sz="1400" dirty="0"/>
+              <a:t>J Cooper’s Legal Practice, how can I help?</a:t>
+            </a:r>
+          </a:p>
+        </p:txBody>
+      </p:sp>
+      <p:sp>
+        <p:nvSpPr>
+          <p:cNvPr id="8" name="Rounded Rectangle 7">
+            <a:extLst>
+              <a:ext uri="{FF2B5EF4-FFF2-40B4-BE49-F238E27FC236}">
+                <a16:creationId xmlns:a16="http://schemas.microsoft.com/office/drawing/2014/main" id="{4C23E2CF-4ABB-3D7D-B2DE-1094607B9854}"/>
               </a:ext>
             </a:extLst>
           </p:cNvPr>
@@ -3452,17 +3446,42 @@
         </p:nvSpPr>
         <p:spPr>
           <a:xfrm>
-            <a:off x="3476616" y="1347485"/>
-            <a:ext cx="3118228" cy="581891"/>
+            <a:off x="5068687" y="2351610"/>
+            <a:ext cx="3310542" cy="425160"/>
           </a:xfrm>
           <a:prstGeom prst="roundRect">
             <a:avLst/>
           </a:prstGeom>
-          <a:solidFill>
-            <a:schemeClr val="accent5"/>
-          </a:solidFill>
           <a:ln>
-            <a:noFill/>
+            <a:gradFill>
+              <a:gsLst>
+                <a:gs pos="0">
+                  <a:schemeClr val="accent1">
+                    <a:lumMod val="5000"/>
+                    <a:lumOff val="95000"/>
+                  </a:schemeClr>
+                </a:gs>
+                <a:gs pos="74000">
+                  <a:schemeClr val="accent1">
+                    <a:lumMod val="45000"/>
+                    <a:lumOff val="55000"/>
+                  </a:schemeClr>
+                </a:gs>
+                <a:gs pos="83000">
+                  <a:schemeClr val="accent1">
+                    <a:lumMod val="45000"/>
+                    <a:lumOff val="55000"/>
+                  </a:schemeClr>
+                </a:gs>
+                <a:gs pos="100000">
+                  <a:schemeClr val="accent1">
+                    <a:lumMod val="30000"/>
+                    <a:lumOff val="70000"/>
+                  </a:schemeClr>
+                </a:gs>
+              </a:gsLst>
+              <a:lin ang="5400000" scaled="1"/>
+            </a:gradFill>
           </a:ln>
         </p:spPr>
         <p:style>
@@ -3484,22 +3503,140 @@
           <a:lstStyle/>
           <a:p>
             <a:r>
-              <a:rPr lang="en-US" sz="1400" dirty="0">
-                <a:ln w="0"/>
+              <a:rPr lang="en-US" sz="1400" dirty="0"/>
+              <a:t>Need some legal advice for my business</a:t>
+            </a:r>
+          </a:p>
+        </p:txBody>
+      </p:sp>
+      <p:pic>
+        <p:nvPicPr>
+          <p:cNvPr id="1026" name="Picture 2">
+            <a:extLst>
+              <a:ext uri="{FF2B5EF4-FFF2-40B4-BE49-F238E27FC236}">
+                <a16:creationId xmlns:a16="http://schemas.microsoft.com/office/drawing/2014/main" id="{1E7BE013-74C3-6F0B-9E3A-1FE18B9AB9A5}"/>
+              </a:ext>
+            </a:extLst>
+          </p:cNvPr>
+          <p:cNvPicPr>
+            <a:picLocks noChangeAspect="1" noChangeArrowheads="1"/>
+          </p:cNvPicPr>
+          <p:nvPr/>
+        </p:nvPicPr>
+        <p:blipFill>
+          <a:blip r:embed="rId2">
+            <a:duotone>
+              <a:schemeClr val="accent4">
+                <a:shade val="45000"/>
+                <a:satMod val="135000"/>
+              </a:schemeClr>
+              <a:prstClr val="white"/>
+            </a:duotone>
+            <a:extLst>
+              <a:ext uri="{28A0092B-C50C-407E-A947-70E740481C1C}">
+                <a14:useLocalDpi xmlns:a14="http://schemas.microsoft.com/office/drawing/2010/main" val="0"/>
+              </a:ext>
+            </a:extLst>
+          </a:blip>
+          <a:srcRect/>
+          <a:stretch>
+            <a:fillRect/>
+          </a:stretch>
+        </p:blipFill>
+        <p:spPr bwMode="auto">
+          <a:xfrm>
+            <a:off x="5068686" y="3633877"/>
+            <a:ext cx="1375756" cy="1375756"/>
+          </a:xfrm>
+          <a:prstGeom prst="rect">
+            <a:avLst/>
+          </a:prstGeom>
+          <a:noFill/>
+          <a:extLst>
+            <a:ext uri="{909E8E84-426E-40DD-AFC4-6F175D3DCCD1}">
+              <a14:hiddenFill xmlns:a14="http://schemas.microsoft.com/office/drawing/2010/main">
                 <a:solidFill>
-                  <a:schemeClr val="bg1"/>
+                  <a:srgbClr val="FFFFFF"/>
                 </a:solidFill>
-                <a:effectLst>
-                  <a:outerShdw blurRad="38100" dist="19050" dir="2700000" algn="tl" rotWithShape="0">
-                    <a:schemeClr val="dk1">
-                      <a:alpha val="40000"/>
-                    </a:schemeClr>
-                  </a:outerShdw>
-                </a:effectLst>
-                <a:latin typeface="Arial" panose="020B0604020202020204" pitchFamily="34" charset="0"/>
-                <a:cs typeface="Arial" panose="020B0604020202020204" pitchFamily="34" charset="0"/>
-              </a:rPr>
-              <a:t>Yes, of course, we cover businesses nationwide.</a:t>
+              </a14:hiddenFill>
+            </a:ext>
+          </a:extLst>
+        </p:spPr>
+      </p:pic>
+      <p:sp>
+        <p:nvSpPr>
+          <p:cNvPr id="9" name="Rounded Rectangle 8">
+            <a:extLst>
+              <a:ext uri="{FF2B5EF4-FFF2-40B4-BE49-F238E27FC236}">
+                <a16:creationId xmlns:a16="http://schemas.microsoft.com/office/drawing/2014/main" id="{595BA6A8-447D-2085-A4A4-9FE2F8643B63}"/>
+              </a:ext>
+            </a:extLst>
+          </p:cNvPr>
+          <p:cNvSpPr/>
+          <p:nvPr/>
+        </p:nvSpPr>
+        <p:spPr>
+          <a:xfrm>
+            <a:off x="3549534" y="3001022"/>
+            <a:ext cx="2734888" cy="512450"/>
+          </a:xfrm>
+          <a:prstGeom prst="roundRect">
+            <a:avLst/>
+          </a:prstGeom>
+          <a:ln>
+            <a:gradFill flip="none" rotWithShape="1">
+              <a:gsLst>
+                <a:gs pos="0">
+                  <a:schemeClr val="accent5">
+                    <a:lumMod val="5000"/>
+                    <a:lumOff val="95000"/>
+                  </a:schemeClr>
+                </a:gs>
+                <a:gs pos="74000">
+                  <a:schemeClr val="accent5">
+                    <a:lumMod val="45000"/>
+                    <a:lumOff val="55000"/>
+                  </a:schemeClr>
+                </a:gs>
+                <a:gs pos="83000">
+                  <a:schemeClr val="accent5">
+                    <a:lumMod val="45000"/>
+                    <a:lumOff val="55000"/>
+                  </a:schemeClr>
+                </a:gs>
+                <a:gs pos="100000">
+                  <a:schemeClr val="accent5">
+                    <a:lumMod val="30000"/>
+                    <a:lumOff val="70000"/>
+                  </a:schemeClr>
+                </a:gs>
+              </a:gsLst>
+              <a:lin ang="5400000" scaled="1"/>
+              <a:tileRect/>
+            </a:gradFill>
+          </a:ln>
+        </p:spPr>
+        <p:style>
+          <a:lnRef idx="2">
+            <a:schemeClr val="accent6"/>
+          </a:lnRef>
+          <a:fillRef idx="1">
+            <a:schemeClr val="lt1"/>
+          </a:fillRef>
+          <a:effectRef idx="0">
+            <a:schemeClr val="accent6"/>
+          </a:effectRef>
+          <a:fontRef idx="minor">
+            <a:schemeClr val="dk1"/>
+          </a:fontRef>
+        </p:style>
+        <p:txBody>
+          <a:bodyPr rtlCol="0" anchor="ctr"/>
+          <a:lstStyle/>
+          <a:p>
+            <a:r>
+              <a:rPr lang="en-US" sz="1400" dirty="0"/>
+              <a:t>Sure, let me start by taking some details…</a:t>
             </a:r>
           </a:p>
         </p:txBody>
@@ -3507,7 +3644,1215 @@
     </p:spTree>
     <p:extLst>
       <p:ext uri="{BB962C8B-B14F-4D97-AF65-F5344CB8AC3E}">
-        <p14:creationId xmlns:p14="http://schemas.microsoft.com/office/powerpoint/2010/main" val="2902341829"/>
+        <p14:creationId xmlns:p14="http://schemas.microsoft.com/office/powerpoint/2010/main" val="2352074763"/>
+      </p:ext>
+    </p:extLst>
+  </p:cSld>
+  <p:clrMapOvr>
+    <a:masterClrMapping/>
+  </p:clrMapOvr>
+</p:sld>
+</file>
+
+<file path=ppt/slides/slide10.xml><?xml version="1.0" encoding="utf-8"?>
+<p:sld xmlns:a="http://schemas.openxmlformats.org/drawingml/2006/main" xmlns:r="http://schemas.openxmlformats.org/officeDocument/2006/relationships" xmlns:p="http://schemas.openxmlformats.org/presentationml/2006/main">
+  <p:cSld>
+    <p:spTree>
+      <p:nvGrpSpPr>
+        <p:cNvPr id="1" name=""/>
+        <p:cNvGrpSpPr/>
+        <p:nvPr/>
+      </p:nvGrpSpPr>
+      <p:grpSpPr>
+        <a:xfrm>
+          <a:off x="0" y="0"/>
+          <a:ext cx="0" cy="0"/>
+          <a:chOff x="0" y="0"/>
+          <a:chExt cx="0" cy="0"/>
+        </a:xfrm>
+      </p:grpSpPr>
+    </p:spTree>
+    <p:extLst>
+      <p:ext uri="{BB962C8B-B14F-4D97-AF65-F5344CB8AC3E}">
+        <p14:creationId xmlns:p14="http://schemas.microsoft.com/office/powerpoint/2010/main" val="714471448"/>
+      </p:ext>
+    </p:extLst>
+  </p:cSld>
+  <p:clrMapOvr>
+    <a:masterClrMapping/>
+  </p:clrMapOvr>
+</p:sld>
+</file>
+
+<file path=ppt/slides/slide11.xml><?xml version="1.0" encoding="utf-8"?>
+<p:sld xmlns:a="http://schemas.openxmlformats.org/drawingml/2006/main" xmlns:r="http://schemas.openxmlformats.org/officeDocument/2006/relationships" xmlns:p="http://schemas.openxmlformats.org/presentationml/2006/main">
+  <p:cSld>
+    <p:spTree>
+      <p:nvGrpSpPr>
+        <p:cNvPr id="1" name=""/>
+        <p:cNvGrpSpPr/>
+        <p:nvPr/>
+      </p:nvGrpSpPr>
+      <p:grpSpPr>
+        <a:xfrm>
+          <a:off x="0" y="0"/>
+          <a:ext cx="0" cy="0"/>
+          <a:chOff x="0" y="0"/>
+          <a:chExt cx="0" cy="0"/>
+        </a:xfrm>
+      </p:grpSpPr>
+    </p:spTree>
+    <p:extLst>
+      <p:ext uri="{BB962C8B-B14F-4D97-AF65-F5344CB8AC3E}">
+        <p14:creationId xmlns:p14="http://schemas.microsoft.com/office/powerpoint/2010/main" val="1066317588"/>
+      </p:ext>
+    </p:extLst>
+  </p:cSld>
+  <p:clrMapOvr>
+    <a:masterClrMapping/>
+  </p:clrMapOvr>
+</p:sld>
+</file>
+
+<file path=ppt/slides/slide12.xml><?xml version="1.0" encoding="utf-8"?>
+<p:sld xmlns:a="http://schemas.openxmlformats.org/drawingml/2006/main" xmlns:r="http://schemas.openxmlformats.org/officeDocument/2006/relationships" xmlns:p="http://schemas.openxmlformats.org/presentationml/2006/main">
+  <p:cSld>
+    <p:spTree>
+      <p:nvGrpSpPr>
+        <p:cNvPr id="1" name=""/>
+        <p:cNvGrpSpPr/>
+        <p:nvPr/>
+      </p:nvGrpSpPr>
+      <p:grpSpPr>
+        <a:xfrm>
+          <a:off x="0" y="0"/>
+          <a:ext cx="0" cy="0"/>
+          <a:chOff x="0" y="0"/>
+          <a:chExt cx="0" cy="0"/>
+        </a:xfrm>
+      </p:grpSpPr>
+    </p:spTree>
+    <p:extLst>
+      <p:ext uri="{BB962C8B-B14F-4D97-AF65-F5344CB8AC3E}">
+        <p14:creationId xmlns:p14="http://schemas.microsoft.com/office/powerpoint/2010/main" val="3337826682"/>
+      </p:ext>
+    </p:extLst>
+  </p:cSld>
+  <p:clrMapOvr>
+    <a:masterClrMapping/>
+  </p:clrMapOvr>
+</p:sld>
+</file>
+
+<file path=ppt/slides/slide13.xml><?xml version="1.0" encoding="utf-8"?>
+<p:sld xmlns:a="http://schemas.openxmlformats.org/drawingml/2006/main" xmlns:r="http://schemas.openxmlformats.org/officeDocument/2006/relationships" xmlns:p="http://schemas.openxmlformats.org/presentationml/2006/main">
+  <p:cSld>
+    <p:spTree>
+      <p:nvGrpSpPr>
+        <p:cNvPr id="1" name=""/>
+        <p:cNvGrpSpPr/>
+        <p:nvPr/>
+      </p:nvGrpSpPr>
+      <p:grpSpPr>
+        <a:xfrm>
+          <a:off x="0" y="0"/>
+          <a:ext cx="0" cy="0"/>
+          <a:chOff x="0" y="0"/>
+          <a:chExt cx="0" cy="0"/>
+        </a:xfrm>
+      </p:grpSpPr>
+    </p:spTree>
+    <p:extLst>
+      <p:ext uri="{BB962C8B-B14F-4D97-AF65-F5344CB8AC3E}">
+        <p14:creationId xmlns:p14="http://schemas.microsoft.com/office/powerpoint/2010/main" val="3731117630"/>
+      </p:ext>
+    </p:extLst>
+  </p:cSld>
+  <p:clrMapOvr>
+    <a:masterClrMapping/>
+  </p:clrMapOvr>
+</p:sld>
+</file>
+
+<file path=ppt/slides/slide2.xml><?xml version="1.0" encoding="utf-8"?>
+<p:sld xmlns:a="http://schemas.openxmlformats.org/drawingml/2006/main" xmlns:r="http://schemas.openxmlformats.org/officeDocument/2006/relationships" xmlns:p="http://schemas.openxmlformats.org/presentationml/2006/main">
+  <p:cSld>
+    <p:spTree>
+      <p:nvGrpSpPr>
+        <p:cNvPr id="1" name=""/>
+        <p:cNvGrpSpPr/>
+        <p:nvPr/>
+      </p:nvGrpSpPr>
+      <p:grpSpPr>
+        <a:xfrm>
+          <a:off x="0" y="0"/>
+          <a:ext cx="0" cy="0"/>
+          <a:chOff x="0" y="0"/>
+          <a:chExt cx="0" cy="0"/>
+        </a:xfrm>
+      </p:grpSpPr>
+      <p:pic>
+        <p:nvPicPr>
+          <p:cNvPr id="5" name="Picture 4" descr="A phone call with text boxes&#10;&#10;Description automatically generated with medium confidence">
+            <a:extLst>
+              <a:ext uri="{FF2B5EF4-FFF2-40B4-BE49-F238E27FC236}">
+                <a16:creationId xmlns:a16="http://schemas.microsoft.com/office/drawing/2014/main" id="{8FFE624C-F709-CF24-3D5E-6D205D8D2EF4}"/>
+              </a:ext>
+            </a:extLst>
+          </p:cNvPr>
+          <p:cNvPicPr>
+            <a:picLocks noChangeAspect="1"/>
+          </p:cNvPicPr>
+          <p:nvPr/>
+        </p:nvPicPr>
+        <p:blipFill>
+          <a:blip r:embed="rId2"/>
+          <a:stretch>
+            <a:fillRect/>
+          </a:stretch>
+        </p:blipFill>
+        <p:spPr>
+          <a:xfrm>
+            <a:off x="1591772" y="641483"/>
+            <a:ext cx="7772400" cy="5575033"/>
+          </a:xfrm>
+          <a:prstGeom prst="rect">
+            <a:avLst/>
+          </a:prstGeom>
+          <a:ln>
+            <a:noFill/>
+          </a:ln>
+          <a:effectLst>
+            <a:softEdge rad="112500"/>
+          </a:effectLst>
+        </p:spPr>
+      </p:pic>
+    </p:spTree>
+    <p:extLst>
+      <p:ext uri="{BB962C8B-B14F-4D97-AF65-F5344CB8AC3E}">
+        <p14:creationId xmlns:p14="http://schemas.microsoft.com/office/powerpoint/2010/main" val="3406289525"/>
+      </p:ext>
+    </p:extLst>
+  </p:cSld>
+  <p:clrMapOvr>
+    <a:masterClrMapping/>
+  </p:clrMapOvr>
+</p:sld>
+</file>
+
+<file path=ppt/slides/slide3.xml><?xml version="1.0" encoding="utf-8"?>
+<p:sld xmlns:a="http://schemas.openxmlformats.org/drawingml/2006/main" xmlns:r="http://schemas.openxmlformats.org/officeDocument/2006/relationships" xmlns:p="http://schemas.openxmlformats.org/presentationml/2006/main">
+  <p:cSld>
+    <p:spTree>
+      <p:nvGrpSpPr>
+        <p:cNvPr id="1" name=""/>
+        <p:cNvGrpSpPr/>
+        <p:nvPr/>
+      </p:nvGrpSpPr>
+      <p:grpSpPr>
+        <a:xfrm>
+          <a:off x="0" y="0"/>
+          <a:ext cx="0" cy="0"/>
+          <a:chOff x="0" y="0"/>
+          <a:chExt cx="0" cy="0"/>
+        </a:xfrm>
+      </p:grpSpPr>
+      <p:pic>
+        <p:nvPicPr>
+          <p:cNvPr id="2" name="Picture 1">
+            <a:extLst>
+              <a:ext uri="{FF2B5EF4-FFF2-40B4-BE49-F238E27FC236}">
+                <a16:creationId xmlns:a16="http://schemas.microsoft.com/office/drawing/2014/main" id="{DE560F32-D469-2630-8F03-40C966A015F8}"/>
+              </a:ext>
+            </a:extLst>
+          </p:cNvPr>
+          <p:cNvPicPr>
+            <a:picLocks noChangeAspect="1"/>
+          </p:cNvPicPr>
+          <p:nvPr/>
+        </p:nvPicPr>
+        <p:blipFill>
+          <a:blip r:embed="rId2"/>
+          <a:stretch>
+            <a:fillRect/>
+          </a:stretch>
+        </p:blipFill>
+        <p:spPr>
+          <a:xfrm>
+            <a:off x="2209800" y="678766"/>
+            <a:ext cx="7772400" cy="5500467"/>
+          </a:xfrm>
+          <a:prstGeom prst="rect">
+            <a:avLst/>
+          </a:prstGeom>
+        </p:spPr>
+      </p:pic>
+      <p:cxnSp>
+        <p:nvCxnSpPr>
+          <p:cNvPr id="3" name="Straight Arrow Connector 2">
+            <a:extLst>
+              <a:ext uri="{FF2B5EF4-FFF2-40B4-BE49-F238E27FC236}">
+                <a16:creationId xmlns:a16="http://schemas.microsoft.com/office/drawing/2014/main" id="{4E60C6F0-AE4C-707A-FAD8-E9D57CA83166}"/>
+              </a:ext>
+            </a:extLst>
+          </p:cNvPr>
+          <p:cNvCxnSpPr>
+            <a:cxnSpLocks/>
+          </p:cNvCxnSpPr>
+          <p:nvPr/>
+        </p:nvCxnSpPr>
+        <p:spPr>
+          <a:xfrm flipH="1">
+            <a:off x="6425738" y="3084022"/>
+            <a:ext cx="931026" cy="344977"/>
+          </a:xfrm>
+          <a:prstGeom prst="straightConnector1">
+            <a:avLst/>
+          </a:prstGeom>
+          <a:ln w="60325">
+            <a:solidFill>
+              <a:srgbClr val="00B0F0"/>
+            </a:solidFill>
+            <a:tailEnd type="triangle"/>
+          </a:ln>
+        </p:spPr>
+        <p:style>
+          <a:lnRef idx="2">
+            <a:schemeClr val="accent1"/>
+          </a:lnRef>
+          <a:fillRef idx="0">
+            <a:schemeClr val="accent1"/>
+          </a:fillRef>
+          <a:effectRef idx="1">
+            <a:schemeClr val="accent1"/>
+          </a:effectRef>
+          <a:fontRef idx="minor">
+            <a:schemeClr val="tx1"/>
+          </a:fontRef>
+        </p:style>
+      </p:cxnSp>
+    </p:spTree>
+    <p:extLst>
+      <p:ext uri="{BB962C8B-B14F-4D97-AF65-F5344CB8AC3E}">
+        <p14:creationId xmlns:p14="http://schemas.microsoft.com/office/powerpoint/2010/main" val="2591651978"/>
+      </p:ext>
+    </p:extLst>
+  </p:cSld>
+  <p:clrMapOvr>
+    <a:masterClrMapping/>
+  </p:clrMapOvr>
+</p:sld>
+</file>
+
+<file path=ppt/slides/slide4.xml><?xml version="1.0" encoding="utf-8"?>
+<p:sld xmlns:a="http://schemas.openxmlformats.org/drawingml/2006/main" xmlns:r="http://schemas.openxmlformats.org/officeDocument/2006/relationships" xmlns:p="http://schemas.openxmlformats.org/presentationml/2006/main">
+  <p:cSld>
+    <p:spTree>
+      <p:nvGrpSpPr>
+        <p:cNvPr id="1" name=""/>
+        <p:cNvGrpSpPr/>
+        <p:nvPr/>
+      </p:nvGrpSpPr>
+      <p:grpSpPr>
+        <a:xfrm>
+          <a:off x="0" y="0"/>
+          <a:ext cx="0" cy="0"/>
+          <a:chOff x="0" y="0"/>
+          <a:chExt cx="0" cy="0"/>
+        </a:xfrm>
+      </p:grpSpPr>
+      <p:pic>
+        <p:nvPicPr>
+          <p:cNvPr id="4" name="Picture 3">
+            <a:extLst>
+              <a:ext uri="{FF2B5EF4-FFF2-40B4-BE49-F238E27FC236}">
+                <a16:creationId xmlns:a16="http://schemas.microsoft.com/office/drawing/2014/main" id="{D0BDC090-3C6A-BED2-4A8C-0161F636915E}"/>
+              </a:ext>
+            </a:extLst>
+          </p:cNvPr>
+          <p:cNvPicPr>
+            <a:picLocks noChangeAspect="1"/>
+          </p:cNvPicPr>
+          <p:nvPr/>
+        </p:nvPicPr>
+        <p:blipFill>
+          <a:blip r:embed="rId2"/>
+          <a:stretch>
+            <a:fillRect/>
+          </a:stretch>
+        </p:blipFill>
+        <p:spPr>
+          <a:xfrm>
+            <a:off x="2561577" y="0"/>
+            <a:ext cx="7068845" cy="6858000"/>
+          </a:xfrm>
+          <a:prstGeom prst="rect">
+            <a:avLst/>
+          </a:prstGeom>
+        </p:spPr>
+      </p:pic>
+      <p:cxnSp>
+        <p:nvCxnSpPr>
+          <p:cNvPr id="6" name="Straight Arrow Connector 5">
+            <a:extLst>
+              <a:ext uri="{FF2B5EF4-FFF2-40B4-BE49-F238E27FC236}">
+                <a16:creationId xmlns:a16="http://schemas.microsoft.com/office/drawing/2014/main" id="{B50746D3-775C-D549-9450-C366E934176F}"/>
+              </a:ext>
+            </a:extLst>
+          </p:cNvPr>
+          <p:cNvCxnSpPr/>
+          <p:nvPr/>
+        </p:nvCxnSpPr>
+        <p:spPr>
+          <a:xfrm flipV="1">
+            <a:off x="6508865" y="2909455"/>
+            <a:ext cx="2177935" cy="349134"/>
+          </a:xfrm>
+          <a:prstGeom prst="straightConnector1">
+            <a:avLst/>
+          </a:prstGeom>
+          <a:ln w="60325">
+            <a:solidFill>
+              <a:srgbClr val="00B0F0"/>
+            </a:solidFill>
+            <a:tailEnd type="triangle"/>
+          </a:ln>
+        </p:spPr>
+        <p:style>
+          <a:lnRef idx="2">
+            <a:schemeClr val="accent1"/>
+          </a:lnRef>
+          <a:fillRef idx="0">
+            <a:schemeClr val="accent1"/>
+          </a:fillRef>
+          <a:effectRef idx="1">
+            <a:schemeClr val="accent1"/>
+          </a:effectRef>
+          <a:fontRef idx="minor">
+            <a:schemeClr val="tx1"/>
+          </a:fontRef>
+        </p:style>
+      </p:cxnSp>
+    </p:spTree>
+    <p:extLst>
+      <p:ext uri="{BB962C8B-B14F-4D97-AF65-F5344CB8AC3E}">
+        <p14:creationId xmlns:p14="http://schemas.microsoft.com/office/powerpoint/2010/main" val="3687437094"/>
+      </p:ext>
+    </p:extLst>
+  </p:cSld>
+  <p:clrMapOvr>
+    <a:masterClrMapping/>
+  </p:clrMapOvr>
+</p:sld>
+</file>
+
+<file path=ppt/slides/slide5.xml><?xml version="1.0" encoding="utf-8"?>
+<p:sld xmlns:a="http://schemas.openxmlformats.org/drawingml/2006/main" xmlns:r="http://schemas.openxmlformats.org/officeDocument/2006/relationships" xmlns:p="http://schemas.openxmlformats.org/presentationml/2006/main">
+  <p:cSld>
+    <p:spTree>
+      <p:nvGrpSpPr>
+        <p:cNvPr id="1" name=""/>
+        <p:cNvGrpSpPr/>
+        <p:nvPr/>
+      </p:nvGrpSpPr>
+      <p:grpSpPr>
+        <a:xfrm>
+          <a:off x="0" y="0"/>
+          <a:ext cx="0" cy="0"/>
+          <a:chOff x="0" y="0"/>
+          <a:chExt cx="0" cy="0"/>
+        </a:xfrm>
+      </p:grpSpPr>
+      <p:pic>
+        <p:nvPicPr>
+          <p:cNvPr id="2" name="Picture 1">
+            <a:extLst>
+              <a:ext uri="{FF2B5EF4-FFF2-40B4-BE49-F238E27FC236}">
+                <a16:creationId xmlns:a16="http://schemas.microsoft.com/office/drawing/2014/main" id="{A2ABDEFA-5252-005E-B841-E55F8F451045}"/>
+              </a:ext>
+            </a:extLst>
+          </p:cNvPr>
+          <p:cNvPicPr>
+            <a:picLocks noChangeAspect="1"/>
+          </p:cNvPicPr>
+          <p:nvPr/>
+        </p:nvPicPr>
+        <p:blipFill>
+          <a:blip r:embed="rId2"/>
+          <a:stretch>
+            <a:fillRect/>
+          </a:stretch>
+        </p:blipFill>
+        <p:spPr>
+          <a:xfrm>
+            <a:off x="972588" y="137160"/>
+            <a:ext cx="10570309" cy="6388180"/>
+          </a:xfrm>
+          <a:prstGeom prst="rect">
+            <a:avLst/>
+          </a:prstGeom>
+        </p:spPr>
+      </p:pic>
+      <p:cxnSp>
+        <p:nvCxnSpPr>
+          <p:cNvPr id="3" name="Straight Arrow Connector 2">
+            <a:extLst>
+              <a:ext uri="{FF2B5EF4-FFF2-40B4-BE49-F238E27FC236}">
+                <a16:creationId xmlns:a16="http://schemas.microsoft.com/office/drawing/2014/main" id="{243B582A-688F-C6E5-320C-8EF0A9A1AE2C}"/>
+              </a:ext>
+            </a:extLst>
+          </p:cNvPr>
+          <p:cNvCxnSpPr>
+            <a:cxnSpLocks/>
+          </p:cNvCxnSpPr>
+          <p:nvPr/>
+        </p:nvCxnSpPr>
+        <p:spPr>
+          <a:xfrm flipH="1">
+            <a:off x="5074920" y="1143000"/>
+            <a:ext cx="1771650" cy="217170"/>
+          </a:xfrm>
+          <a:prstGeom prst="straightConnector1">
+            <a:avLst/>
+          </a:prstGeom>
+          <a:ln w="60325">
+            <a:solidFill>
+              <a:srgbClr val="00B0F0"/>
+            </a:solidFill>
+            <a:tailEnd type="triangle"/>
+          </a:ln>
+        </p:spPr>
+        <p:style>
+          <a:lnRef idx="2">
+            <a:schemeClr val="accent1"/>
+          </a:lnRef>
+          <a:fillRef idx="0">
+            <a:schemeClr val="accent1"/>
+          </a:fillRef>
+          <a:effectRef idx="1">
+            <a:schemeClr val="accent1"/>
+          </a:effectRef>
+          <a:fontRef idx="minor">
+            <a:schemeClr val="tx1"/>
+          </a:fontRef>
+        </p:style>
+      </p:cxnSp>
+    </p:spTree>
+    <p:extLst>
+      <p:ext uri="{BB962C8B-B14F-4D97-AF65-F5344CB8AC3E}">
+        <p14:creationId xmlns:p14="http://schemas.microsoft.com/office/powerpoint/2010/main" val="1194696766"/>
+      </p:ext>
+    </p:extLst>
+  </p:cSld>
+  <p:clrMapOvr>
+    <a:masterClrMapping/>
+  </p:clrMapOvr>
+</p:sld>
+</file>
+
+<file path=ppt/slides/slide6.xml><?xml version="1.0" encoding="utf-8"?>
+<p:sld xmlns:a="http://schemas.openxmlformats.org/drawingml/2006/main" xmlns:r="http://schemas.openxmlformats.org/officeDocument/2006/relationships" xmlns:p="http://schemas.openxmlformats.org/presentationml/2006/main">
+  <p:cSld>
+    <p:spTree>
+      <p:nvGrpSpPr>
+        <p:cNvPr id="1" name=""/>
+        <p:cNvGrpSpPr/>
+        <p:nvPr/>
+      </p:nvGrpSpPr>
+      <p:grpSpPr>
+        <a:xfrm>
+          <a:off x="0" y="0"/>
+          <a:ext cx="0" cy="0"/>
+          <a:chOff x="0" y="0"/>
+          <a:chExt cx="0" cy="0"/>
+        </a:xfrm>
+      </p:grpSpPr>
+      <p:pic>
+        <p:nvPicPr>
+          <p:cNvPr id="9" name="Picture 8">
+            <a:extLst>
+              <a:ext uri="{FF2B5EF4-FFF2-40B4-BE49-F238E27FC236}">
+                <a16:creationId xmlns:a16="http://schemas.microsoft.com/office/drawing/2014/main" id="{49C57216-22B9-81F8-0597-15115642DEC2}"/>
+              </a:ext>
+            </a:extLst>
+          </p:cNvPr>
+          <p:cNvPicPr>
+            <a:picLocks noChangeAspect="1"/>
+          </p:cNvPicPr>
+          <p:nvPr/>
+        </p:nvPicPr>
+        <p:blipFill>
+          <a:blip r:embed="rId2"/>
+          <a:stretch>
+            <a:fillRect/>
+          </a:stretch>
+        </p:blipFill>
+        <p:spPr>
+          <a:xfrm>
+            <a:off x="2050409" y="197282"/>
+            <a:ext cx="7772400" cy="6463435"/>
+          </a:xfrm>
+          <a:prstGeom prst="rect">
+            <a:avLst/>
+          </a:prstGeom>
+        </p:spPr>
+      </p:pic>
+      <p:cxnSp>
+        <p:nvCxnSpPr>
+          <p:cNvPr id="5" name="Straight Arrow Connector 4">
+            <a:extLst>
+              <a:ext uri="{FF2B5EF4-FFF2-40B4-BE49-F238E27FC236}">
+                <a16:creationId xmlns:a16="http://schemas.microsoft.com/office/drawing/2014/main" id="{8DF3A71D-CFB5-B1D5-45D6-8762762AB94B}"/>
+              </a:ext>
+            </a:extLst>
+          </p:cNvPr>
+          <p:cNvCxnSpPr>
+            <a:cxnSpLocks/>
+          </p:cNvCxnSpPr>
+          <p:nvPr/>
+        </p:nvCxnSpPr>
+        <p:spPr>
+          <a:xfrm flipH="1">
+            <a:off x="3625442" y="3909270"/>
+            <a:ext cx="728444" cy="218114"/>
+          </a:xfrm>
+          <a:prstGeom prst="straightConnector1">
+            <a:avLst/>
+          </a:prstGeom>
+          <a:ln w="60325">
+            <a:solidFill>
+              <a:srgbClr val="00B0F0"/>
+            </a:solidFill>
+            <a:tailEnd type="triangle"/>
+          </a:ln>
+        </p:spPr>
+        <p:style>
+          <a:lnRef idx="2">
+            <a:schemeClr val="accent1"/>
+          </a:lnRef>
+          <a:fillRef idx="0">
+            <a:schemeClr val="accent1"/>
+          </a:fillRef>
+          <a:effectRef idx="1">
+            <a:schemeClr val="accent1"/>
+          </a:effectRef>
+          <a:fontRef idx="minor">
+            <a:schemeClr val="tx1"/>
+          </a:fontRef>
+        </p:style>
+      </p:cxnSp>
+      <p:cxnSp>
+        <p:nvCxnSpPr>
+          <p:cNvPr id="12" name="Straight Arrow Connector 11">
+            <a:extLst>
+              <a:ext uri="{FF2B5EF4-FFF2-40B4-BE49-F238E27FC236}">
+                <a16:creationId xmlns:a16="http://schemas.microsoft.com/office/drawing/2014/main" id="{AAC755ED-315F-52B9-6E6B-DAA1D47F2EE6}"/>
+              </a:ext>
+            </a:extLst>
+          </p:cNvPr>
+          <p:cNvCxnSpPr>
+            <a:cxnSpLocks/>
+          </p:cNvCxnSpPr>
+          <p:nvPr/>
+        </p:nvCxnSpPr>
+        <p:spPr>
+          <a:xfrm flipH="1">
+            <a:off x="5572387" y="3319942"/>
+            <a:ext cx="728444" cy="218114"/>
+          </a:xfrm>
+          <a:prstGeom prst="straightConnector1">
+            <a:avLst/>
+          </a:prstGeom>
+          <a:ln w="60325">
+            <a:solidFill>
+              <a:srgbClr val="00B0F0"/>
+            </a:solidFill>
+            <a:tailEnd type="triangle"/>
+          </a:ln>
+        </p:spPr>
+        <p:style>
+          <a:lnRef idx="2">
+            <a:schemeClr val="accent1"/>
+          </a:lnRef>
+          <a:fillRef idx="0">
+            <a:schemeClr val="accent1"/>
+          </a:fillRef>
+          <a:effectRef idx="1">
+            <a:schemeClr val="accent1"/>
+          </a:effectRef>
+          <a:fontRef idx="minor">
+            <a:schemeClr val="tx1"/>
+          </a:fontRef>
+        </p:style>
+      </p:cxnSp>
+      <p:sp>
+        <p:nvSpPr>
+          <p:cNvPr id="13" name="Oval 12">
+            <a:extLst>
+              <a:ext uri="{FF2B5EF4-FFF2-40B4-BE49-F238E27FC236}">
+                <a16:creationId xmlns:a16="http://schemas.microsoft.com/office/drawing/2014/main" id="{E32ADFA4-3D86-A8FD-E41C-C18B987A409F}"/>
+              </a:ext>
+            </a:extLst>
+          </p:cNvPr>
+          <p:cNvSpPr/>
+          <p:nvPr/>
+        </p:nvSpPr>
+        <p:spPr>
+          <a:xfrm>
+            <a:off x="4144161" y="3319942"/>
+            <a:ext cx="419450" cy="488660"/>
+          </a:xfrm>
+          <a:prstGeom prst="ellipse">
+            <a:avLst/>
+          </a:prstGeom>
+        </p:spPr>
+        <p:style>
+          <a:lnRef idx="2">
+            <a:schemeClr val="accent6"/>
+          </a:lnRef>
+          <a:fillRef idx="1">
+            <a:schemeClr val="lt1"/>
+          </a:fillRef>
+          <a:effectRef idx="0">
+            <a:schemeClr val="accent6"/>
+          </a:effectRef>
+          <a:fontRef idx="minor">
+            <a:schemeClr val="dk1"/>
+          </a:fontRef>
+        </p:style>
+        <p:txBody>
+          <a:bodyPr rtlCol="0" anchor="ctr"/>
+          <a:lstStyle/>
+          <a:p>
+            <a:pPr algn="ctr"/>
+            <a:r>
+              <a:rPr lang="en-US" dirty="0"/>
+              <a:t>1</a:t>
+            </a:r>
+          </a:p>
+        </p:txBody>
+      </p:sp>
+      <p:sp>
+        <p:nvSpPr>
+          <p:cNvPr id="14" name="Oval 13">
+            <a:extLst>
+              <a:ext uri="{FF2B5EF4-FFF2-40B4-BE49-F238E27FC236}">
+                <a16:creationId xmlns:a16="http://schemas.microsoft.com/office/drawing/2014/main" id="{EE90C4EC-4EBF-10BD-2C21-7E4FE60324D5}"/>
+              </a:ext>
+            </a:extLst>
+          </p:cNvPr>
+          <p:cNvSpPr/>
+          <p:nvPr/>
+        </p:nvSpPr>
+        <p:spPr>
+          <a:xfrm>
+            <a:off x="6292442" y="2831282"/>
+            <a:ext cx="419450" cy="488660"/>
+          </a:xfrm>
+          <a:prstGeom prst="ellipse">
+            <a:avLst/>
+          </a:prstGeom>
+        </p:spPr>
+        <p:style>
+          <a:lnRef idx="2">
+            <a:schemeClr val="accent6"/>
+          </a:lnRef>
+          <a:fillRef idx="1">
+            <a:schemeClr val="lt1"/>
+          </a:fillRef>
+          <a:effectRef idx="0">
+            <a:schemeClr val="accent6"/>
+          </a:effectRef>
+          <a:fontRef idx="minor">
+            <a:schemeClr val="dk1"/>
+          </a:fontRef>
+        </p:style>
+        <p:txBody>
+          <a:bodyPr rtlCol="0" anchor="ctr"/>
+          <a:lstStyle/>
+          <a:p>
+            <a:pPr algn="ctr"/>
+            <a:r>
+              <a:rPr lang="en-US" dirty="0"/>
+              <a:t>2</a:t>
+            </a:r>
+          </a:p>
+        </p:txBody>
+      </p:sp>
+    </p:spTree>
+    <p:extLst>
+      <p:ext uri="{BB962C8B-B14F-4D97-AF65-F5344CB8AC3E}">
+        <p14:creationId xmlns:p14="http://schemas.microsoft.com/office/powerpoint/2010/main" val="1072183248"/>
+      </p:ext>
+    </p:extLst>
+  </p:cSld>
+  <p:clrMapOvr>
+    <a:masterClrMapping/>
+  </p:clrMapOvr>
+</p:sld>
+</file>
+
+<file path=ppt/slides/slide7.xml><?xml version="1.0" encoding="utf-8"?>
+<p:sld xmlns:a="http://schemas.openxmlformats.org/drawingml/2006/main" xmlns:r="http://schemas.openxmlformats.org/officeDocument/2006/relationships" xmlns:p="http://schemas.openxmlformats.org/presentationml/2006/main">
+  <p:cSld>
+    <p:spTree>
+      <p:nvGrpSpPr>
+        <p:cNvPr id="1" name=""/>
+        <p:cNvGrpSpPr/>
+        <p:nvPr/>
+      </p:nvGrpSpPr>
+      <p:grpSpPr>
+        <a:xfrm>
+          <a:off x="0" y="0"/>
+          <a:ext cx="0" cy="0"/>
+          <a:chOff x="0" y="0"/>
+          <a:chExt cx="0" cy="0"/>
+        </a:xfrm>
+      </p:grpSpPr>
+      <p:pic>
+        <p:nvPicPr>
+          <p:cNvPr id="3" name="Picture 2">
+            <a:extLst>
+              <a:ext uri="{FF2B5EF4-FFF2-40B4-BE49-F238E27FC236}">
+                <a16:creationId xmlns:a16="http://schemas.microsoft.com/office/drawing/2014/main" id="{BDF393E8-5AD3-42B6-5F80-191C194A05D8}"/>
+              </a:ext>
+            </a:extLst>
+          </p:cNvPr>
+          <p:cNvPicPr>
+            <a:picLocks noChangeAspect="1"/>
+          </p:cNvPicPr>
+          <p:nvPr/>
+        </p:nvPicPr>
+        <p:blipFill>
+          <a:blip r:embed="rId2"/>
+          <a:stretch>
+            <a:fillRect/>
+          </a:stretch>
+        </p:blipFill>
+        <p:spPr>
+          <a:xfrm>
+            <a:off x="716209" y="255338"/>
+            <a:ext cx="10759581" cy="6347323"/>
+          </a:xfrm>
+          <a:prstGeom prst="rect">
+            <a:avLst/>
+          </a:prstGeom>
+        </p:spPr>
+      </p:pic>
+      <p:cxnSp>
+        <p:nvCxnSpPr>
+          <p:cNvPr id="5" name="Straight Arrow Connector 4">
+            <a:extLst>
+              <a:ext uri="{FF2B5EF4-FFF2-40B4-BE49-F238E27FC236}">
+                <a16:creationId xmlns:a16="http://schemas.microsoft.com/office/drawing/2014/main" id="{96B30AF9-ADD3-4B16-0655-FECAB41CD684}"/>
+              </a:ext>
+            </a:extLst>
+          </p:cNvPr>
+          <p:cNvCxnSpPr>
+            <a:cxnSpLocks/>
+          </p:cNvCxnSpPr>
+          <p:nvPr/>
+        </p:nvCxnSpPr>
+        <p:spPr>
+          <a:xfrm>
+            <a:off x="5897461" y="2525086"/>
+            <a:ext cx="1573913" cy="445770"/>
+          </a:xfrm>
+          <a:prstGeom prst="straightConnector1">
+            <a:avLst/>
+          </a:prstGeom>
+          <a:ln w="60325">
+            <a:solidFill>
+              <a:srgbClr val="00B0F0"/>
+            </a:solidFill>
+            <a:tailEnd type="triangle"/>
+          </a:ln>
+        </p:spPr>
+        <p:style>
+          <a:lnRef idx="2">
+            <a:schemeClr val="accent1"/>
+          </a:lnRef>
+          <a:fillRef idx="0">
+            <a:schemeClr val="accent1"/>
+          </a:fillRef>
+          <a:effectRef idx="1">
+            <a:schemeClr val="accent1"/>
+          </a:effectRef>
+          <a:fontRef idx="minor">
+            <a:schemeClr val="tx1"/>
+          </a:fontRef>
+        </p:style>
+      </p:cxnSp>
+    </p:spTree>
+    <p:extLst>
+      <p:ext uri="{BB962C8B-B14F-4D97-AF65-F5344CB8AC3E}">
+        <p14:creationId xmlns:p14="http://schemas.microsoft.com/office/powerpoint/2010/main" val="3229458194"/>
+      </p:ext>
+    </p:extLst>
+  </p:cSld>
+  <p:clrMapOvr>
+    <a:masterClrMapping/>
+  </p:clrMapOvr>
+</p:sld>
+</file>
+
+<file path=ppt/slides/slide8.xml><?xml version="1.0" encoding="utf-8"?>
+<p:sld xmlns:a="http://schemas.openxmlformats.org/drawingml/2006/main" xmlns:r="http://schemas.openxmlformats.org/officeDocument/2006/relationships" xmlns:p="http://schemas.openxmlformats.org/presentationml/2006/main">
+  <p:cSld>
+    <p:spTree>
+      <p:nvGrpSpPr>
+        <p:cNvPr id="1" name=""/>
+        <p:cNvGrpSpPr/>
+        <p:nvPr/>
+      </p:nvGrpSpPr>
+      <p:grpSpPr>
+        <a:xfrm>
+          <a:off x="0" y="0"/>
+          <a:ext cx="0" cy="0"/>
+          <a:chOff x="0" y="0"/>
+          <a:chExt cx="0" cy="0"/>
+        </a:xfrm>
+      </p:grpSpPr>
+      <p:pic>
+        <p:nvPicPr>
+          <p:cNvPr id="7" name="Picture 6">
+            <a:extLst>
+              <a:ext uri="{FF2B5EF4-FFF2-40B4-BE49-F238E27FC236}">
+                <a16:creationId xmlns:a16="http://schemas.microsoft.com/office/drawing/2014/main" id="{0EE8A773-A1F1-6120-7AAB-7F1B307696B2}"/>
+              </a:ext>
+            </a:extLst>
+          </p:cNvPr>
+          <p:cNvPicPr>
+            <a:picLocks noChangeAspect="1"/>
+          </p:cNvPicPr>
+          <p:nvPr/>
+        </p:nvPicPr>
+        <p:blipFill>
+          <a:blip r:embed="rId2"/>
+          <a:stretch>
+            <a:fillRect/>
+          </a:stretch>
+        </p:blipFill>
+        <p:spPr>
+          <a:xfrm>
+            <a:off x="4159623" y="0"/>
+            <a:ext cx="3872753" cy="6858000"/>
+          </a:xfrm>
+          <a:prstGeom prst="rect">
+            <a:avLst/>
+          </a:prstGeom>
+        </p:spPr>
+      </p:pic>
+      <p:cxnSp>
+        <p:nvCxnSpPr>
+          <p:cNvPr id="9" name="Elbow Connector 8">
+            <a:extLst>
+              <a:ext uri="{FF2B5EF4-FFF2-40B4-BE49-F238E27FC236}">
+                <a16:creationId xmlns:a16="http://schemas.microsoft.com/office/drawing/2014/main" id="{DB820537-5C70-8778-7FAF-E8B5D3A13371}"/>
+              </a:ext>
+            </a:extLst>
+          </p:cNvPr>
+          <p:cNvCxnSpPr>
+            <a:cxnSpLocks/>
+          </p:cNvCxnSpPr>
+          <p:nvPr/>
+        </p:nvCxnSpPr>
+        <p:spPr>
+          <a:xfrm rot="10800000">
+            <a:off x="3179428" y="3607267"/>
+            <a:ext cx="1241570" cy="1023461"/>
+          </a:xfrm>
+          <a:prstGeom prst="bentConnector3">
+            <a:avLst/>
+          </a:prstGeom>
+          <a:ln>
+            <a:solidFill>
+              <a:schemeClr val="bg2">
+                <a:lumMod val="90000"/>
+              </a:schemeClr>
+            </a:solidFill>
+          </a:ln>
+        </p:spPr>
+        <p:style>
+          <a:lnRef idx="2">
+            <a:schemeClr val="accent1"/>
+          </a:lnRef>
+          <a:fillRef idx="0">
+            <a:schemeClr val="accent1"/>
+          </a:fillRef>
+          <a:effectRef idx="1">
+            <a:schemeClr val="accent1"/>
+          </a:effectRef>
+          <a:fontRef idx="minor">
+            <a:schemeClr val="tx1"/>
+          </a:fontRef>
+        </p:style>
+      </p:cxnSp>
+      <p:cxnSp>
+        <p:nvCxnSpPr>
+          <p:cNvPr id="11" name="Elbow Connector 10">
+            <a:extLst>
+              <a:ext uri="{FF2B5EF4-FFF2-40B4-BE49-F238E27FC236}">
+                <a16:creationId xmlns:a16="http://schemas.microsoft.com/office/drawing/2014/main" id="{11D7BC7E-D645-6C67-2F68-82B95709C78A}"/>
+              </a:ext>
+            </a:extLst>
+          </p:cNvPr>
+          <p:cNvCxnSpPr>
+            <a:cxnSpLocks/>
+          </p:cNvCxnSpPr>
+          <p:nvPr/>
+        </p:nvCxnSpPr>
+        <p:spPr>
+          <a:xfrm>
+            <a:off x="7398308" y="2266428"/>
+            <a:ext cx="1452077" cy="308992"/>
+          </a:xfrm>
+          <a:prstGeom prst="bentConnector3">
+            <a:avLst/>
+          </a:prstGeom>
+          <a:ln>
+            <a:solidFill>
+              <a:schemeClr val="bg2">
+                <a:lumMod val="90000"/>
+              </a:schemeClr>
+            </a:solidFill>
+          </a:ln>
+        </p:spPr>
+        <p:style>
+          <a:lnRef idx="2">
+            <a:schemeClr val="accent1"/>
+          </a:lnRef>
+          <a:fillRef idx="0">
+            <a:schemeClr val="accent1"/>
+          </a:fillRef>
+          <a:effectRef idx="1">
+            <a:schemeClr val="accent1"/>
+          </a:effectRef>
+          <a:fontRef idx="minor">
+            <a:schemeClr val="tx1"/>
+          </a:fontRef>
+        </p:style>
+      </p:cxnSp>
+      <p:pic>
+        <p:nvPicPr>
+          <p:cNvPr id="2056" name="Picture 8" descr="World Wide Web Icon | Free SVG">
+            <a:extLst>
+              <a:ext uri="{FF2B5EF4-FFF2-40B4-BE49-F238E27FC236}">
+                <a16:creationId xmlns:a16="http://schemas.microsoft.com/office/drawing/2014/main" id="{2A34D9B2-85E8-71BF-0FFF-CE795E6CA41C}"/>
+              </a:ext>
+            </a:extLst>
+          </p:cNvPr>
+          <p:cNvPicPr>
+            <a:picLocks noChangeAspect="1" noChangeArrowheads="1"/>
+          </p:cNvPicPr>
+          <p:nvPr/>
+        </p:nvPicPr>
+        <p:blipFill>
+          <a:blip r:embed="rId3">
+            <a:extLst>
+              <a:ext uri="{28A0092B-C50C-407E-A947-70E740481C1C}">
+                <a14:useLocalDpi xmlns:a14="http://schemas.microsoft.com/office/drawing/2010/main" val="0"/>
+              </a:ext>
+            </a:extLst>
+          </a:blip>
+          <a:srcRect/>
+          <a:stretch>
+            <a:fillRect/>
+          </a:stretch>
+        </p:blipFill>
+        <p:spPr bwMode="auto">
+          <a:xfrm>
+            <a:off x="8850385" y="1999026"/>
+            <a:ext cx="1152787" cy="1152787"/>
+          </a:xfrm>
+          <a:prstGeom prst="rect">
+            <a:avLst/>
+          </a:prstGeom>
+          <a:noFill/>
+          <a:extLst>
+            <a:ext uri="{909E8E84-426E-40DD-AFC4-6F175D3DCCD1}">
+              <a14:hiddenFill xmlns:a14="http://schemas.microsoft.com/office/drawing/2010/main">
+                <a:solidFill>
+                  <a:srgbClr val="FFFFFF"/>
+                </a:solidFill>
+              </a14:hiddenFill>
+            </a:ext>
+          </a:extLst>
+        </p:spPr>
+      </p:pic>
+      <p:pic>
+        <p:nvPicPr>
+          <p:cNvPr id="2058" name="Picture 10">
+            <a:extLst>
+              <a:ext uri="{FF2B5EF4-FFF2-40B4-BE49-F238E27FC236}">
+                <a16:creationId xmlns:a16="http://schemas.microsoft.com/office/drawing/2014/main" id="{4449918C-CD94-09F9-939F-B2BEF512D625}"/>
+              </a:ext>
+            </a:extLst>
+          </p:cNvPr>
+          <p:cNvPicPr>
+            <a:picLocks noChangeAspect="1" noChangeArrowheads="1"/>
+          </p:cNvPicPr>
+          <p:nvPr/>
+        </p:nvPicPr>
+        <p:blipFill>
+          <a:blip r:embed="rId4">
+            <a:extLst>
+              <a:ext uri="{28A0092B-C50C-407E-A947-70E740481C1C}">
+                <a14:useLocalDpi xmlns:a14="http://schemas.microsoft.com/office/drawing/2010/main" val="0"/>
+              </a:ext>
+            </a:extLst>
+          </a:blip>
+          <a:srcRect/>
+          <a:stretch>
+            <a:fillRect/>
+          </a:stretch>
+        </p:blipFill>
+        <p:spPr bwMode="auto">
+          <a:xfrm>
+            <a:off x="2292559" y="3151813"/>
+            <a:ext cx="886868" cy="886868"/>
+          </a:xfrm>
+          <a:prstGeom prst="rect">
+            <a:avLst/>
+          </a:prstGeom>
+          <a:noFill/>
+          <a:extLst>
+            <a:ext uri="{909E8E84-426E-40DD-AFC4-6F175D3DCCD1}">
+              <a14:hiddenFill xmlns:a14="http://schemas.microsoft.com/office/drawing/2010/main">
+                <a:solidFill>
+                  <a:srgbClr val="FFFFFF"/>
+                </a:solidFill>
+              </a14:hiddenFill>
+            </a:ext>
+          </a:extLst>
+        </p:spPr>
+      </p:pic>
+      <p:cxnSp>
+        <p:nvCxnSpPr>
+          <p:cNvPr id="17" name="Elbow Connector 16">
+            <a:extLst>
+              <a:ext uri="{FF2B5EF4-FFF2-40B4-BE49-F238E27FC236}">
+                <a16:creationId xmlns:a16="http://schemas.microsoft.com/office/drawing/2014/main" id="{B2C2234A-03C1-9ACE-D5AA-A29711171DEA}"/>
+              </a:ext>
+            </a:extLst>
+          </p:cNvPr>
+          <p:cNvCxnSpPr>
+            <a:cxnSpLocks/>
+          </p:cNvCxnSpPr>
+          <p:nvPr/>
+        </p:nvCxnSpPr>
+        <p:spPr>
+          <a:xfrm>
+            <a:off x="2978092" y="1728132"/>
+            <a:ext cx="1181531" cy="288796"/>
+          </a:xfrm>
+          <a:prstGeom prst="bentConnector3">
+            <a:avLst/>
+          </a:prstGeom>
+          <a:ln>
+            <a:solidFill>
+              <a:schemeClr val="bg2">
+                <a:lumMod val="90000"/>
+              </a:schemeClr>
+            </a:solidFill>
+          </a:ln>
+        </p:spPr>
+        <p:style>
+          <a:lnRef idx="2">
+            <a:schemeClr val="accent1"/>
+          </a:lnRef>
+          <a:fillRef idx="0">
+            <a:schemeClr val="accent1"/>
+          </a:fillRef>
+          <a:effectRef idx="1">
+            <a:schemeClr val="accent1"/>
+          </a:effectRef>
+          <a:fontRef idx="minor">
+            <a:schemeClr val="tx1"/>
+          </a:fontRef>
+        </p:style>
+      </p:cxnSp>
+      <p:pic>
+        <p:nvPicPr>
+          <p:cNvPr id="2062" name="Picture 14" descr="Gmail new logo - Social media &amp; Logos Icons">
+            <a:extLst>
+              <a:ext uri="{FF2B5EF4-FFF2-40B4-BE49-F238E27FC236}">
+                <a16:creationId xmlns:a16="http://schemas.microsoft.com/office/drawing/2014/main" id="{64FC0189-65B8-D18F-4E4C-93A43C278E79}"/>
+              </a:ext>
+            </a:extLst>
+          </p:cNvPr>
+          <p:cNvPicPr>
+            <a:picLocks noChangeAspect="1" noChangeArrowheads="1"/>
+          </p:cNvPicPr>
+          <p:nvPr/>
+        </p:nvPicPr>
+        <p:blipFill>
+          <a:blip r:embed="rId5">
+            <a:extLst>
+              <a:ext uri="{28A0092B-C50C-407E-A947-70E740481C1C}">
+                <a14:useLocalDpi xmlns:a14="http://schemas.microsoft.com/office/drawing/2010/main" val="0"/>
+              </a:ext>
+            </a:extLst>
+          </a:blip>
+          <a:srcRect/>
+          <a:stretch>
+            <a:fillRect/>
+          </a:stretch>
+        </p:blipFill>
+        <p:spPr bwMode="auto">
+          <a:xfrm>
+            <a:off x="1979818" y="1198452"/>
+            <a:ext cx="1059360" cy="1059360"/>
+          </a:xfrm>
+          <a:prstGeom prst="rect">
+            <a:avLst/>
+          </a:prstGeom>
+          <a:noFill/>
+          <a:extLst>
+            <a:ext uri="{909E8E84-426E-40DD-AFC4-6F175D3DCCD1}">
+              <a14:hiddenFill xmlns:a14="http://schemas.microsoft.com/office/drawing/2010/main">
+                <a:solidFill>
+                  <a:srgbClr val="FFFFFF"/>
+                </a:solidFill>
+              </a14:hiddenFill>
+            </a:ext>
+          </a:extLst>
+        </p:spPr>
+      </p:pic>
+    </p:spTree>
+    <p:extLst>
+      <p:ext uri="{BB962C8B-B14F-4D97-AF65-F5344CB8AC3E}">
+        <p14:creationId xmlns:p14="http://schemas.microsoft.com/office/powerpoint/2010/main" val="1781851410"/>
+      </p:ext>
+    </p:extLst>
+  </p:cSld>
+  <p:clrMapOvr>
+    <a:masterClrMapping/>
+  </p:clrMapOvr>
+</p:sld>
+</file>
+
+<file path=ppt/slides/slide9.xml><?xml version="1.0" encoding="utf-8"?>
+<p:sld xmlns:a="http://schemas.openxmlformats.org/drawingml/2006/main" xmlns:r="http://schemas.openxmlformats.org/officeDocument/2006/relationships" xmlns:p="http://schemas.openxmlformats.org/presentationml/2006/main">
+  <p:cSld>
+    <p:spTree>
+      <p:nvGrpSpPr>
+        <p:cNvPr id="1" name=""/>
+        <p:cNvGrpSpPr/>
+        <p:nvPr/>
+      </p:nvGrpSpPr>
+      <p:grpSpPr>
+        <a:xfrm>
+          <a:off x="0" y="0"/>
+          <a:ext cx="0" cy="0"/>
+          <a:chOff x="0" y="0"/>
+          <a:chExt cx="0" cy="0"/>
+        </a:xfrm>
+      </p:grpSpPr>
+    </p:spTree>
+    <p:extLst>
+      <p:ext uri="{BB962C8B-B14F-4D97-AF65-F5344CB8AC3E}">
+        <p14:creationId xmlns:p14="http://schemas.microsoft.com/office/powerpoint/2010/main" val="1617076477"/>
       </p:ext>
     </p:extLst>
   </p:cSld>
